--- a/데이터마이닝201701_프로젝트설명 (1).pptx
+++ b/데이터마이닝201701_프로젝트설명 (1).pptx
@@ -5,18 +5,16 @@
     <p:sldMasterId id="2147483648" r:id="rId1"/>
   </p:sldMasterIdLst>
   <p:notesMasterIdLst>
-    <p:notesMasterId r:id="rId11"/>
+    <p:notesMasterId r:id="rId9"/>
   </p:notesMasterIdLst>
   <p:sldIdLst>
-    <p:sldId id="299" r:id="rId2"/>
-    <p:sldId id="308" r:id="rId3"/>
-    <p:sldId id="310" r:id="rId4"/>
-    <p:sldId id="313" r:id="rId5"/>
-    <p:sldId id="314" r:id="rId6"/>
-    <p:sldId id="311" r:id="rId7"/>
-    <p:sldId id="315" r:id="rId8"/>
-    <p:sldId id="312" r:id="rId9"/>
-    <p:sldId id="307" r:id="rId10"/>
+    <p:sldId id="308" r:id="rId2"/>
+    <p:sldId id="310" r:id="rId3"/>
+    <p:sldId id="313" r:id="rId4"/>
+    <p:sldId id="314" r:id="rId5"/>
+    <p:sldId id="311" r:id="rId6"/>
+    <p:sldId id="315" r:id="rId7"/>
+    <p:sldId id="312" r:id="rId8"/>
   </p:sldIdLst>
   <p:sldSz cx="9144000" cy="6858000" type="screen4x3"/>
   <p:notesSz cx="6858000" cy="9144000"/>
@@ -240,7 +238,7 @@
             <a:fld id="{3171D099-61E4-495E-BD31-240AA7FC9AD1}" type="datetimeFigureOut">
               <a:rPr lang="ko-KR" altLang="en-US" smtClean="0"/>
               <a:pPr/>
-              <a:t>2017-06-02</a:t>
+              <a:t>2017-09-12</a:t>
             </a:fld>
             <a:endParaRPr lang="ko-KR" altLang="en-US"/>
           </a:p>
@@ -552,12 +550,10 @@
         </p:nvSpPr>
         <p:spPr/>
         <p:txBody>
-          <a:bodyPr>
-            <a:normAutofit/>
-          </a:bodyPr>
-          <a:lstStyle/>
-          <a:p>
-            <a:endParaRPr lang="en-US" dirty="0"/>
+          <a:bodyPr/>
+          <a:lstStyle/>
+          <a:p>
+            <a:endParaRPr lang="ko-KR" altLang="en-US" dirty="0"/>
           </a:p>
         </p:txBody>
       </p:sp>
@@ -579,13 +575,18 @@
             <a:fld id="{87A2225B-2C4D-4B13-B6C4-DA929B53D897}" type="slidenum">
               <a:rPr lang="ko-KR" altLang="en-US" smtClean="0"/>
               <a:pPr/>
-              <a:t>1</a:t>
+              <a:t>5</a:t>
             </a:fld>
             <a:endParaRPr lang="ko-KR" altLang="en-US"/>
           </a:p>
         </p:txBody>
       </p:sp>
     </p:spTree>
+    <p:extLst>
+      <p:ext uri="{BB962C8B-B14F-4D97-AF65-F5344CB8AC3E}">
+        <p14:creationId xmlns:p14="http://schemas.microsoft.com/office/powerpoint/2010/main" val="392088950"/>
+      </p:ext>
+    </p:extLst>
   </p:cSld>
   <p:clrMapOvr>
     <a:masterClrMapping/>
@@ -668,7 +669,7 @@
     </p:spTree>
     <p:extLst>
       <p:ext uri="{BB962C8B-B14F-4D97-AF65-F5344CB8AC3E}">
-        <p14:creationId xmlns:p14="http://schemas.microsoft.com/office/powerpoint/2010/main" val="392088950"/>
+        <p14:creationId xmlns:p14="http://schemas.microsoft.com/office/powerpoint/2010/main" val="247848553"/>
       </p:ext>
     </p:extLst>
   </p:cSld>
@@ -745,91 +746,6 @@
               <a:rPr lang="ko-KR" altLang="en-US" smtClean="0"/>
               <a:pPr/>
               <a:t>7</a:t>
-            </a:fld>
-            <a:endParaRPr lang="ko-KR" altLang="en-US"/>
-          </a:p>
-        </p:txBody>
-      </p:sp>
-    </p:spTree>
-    <p:extLst>
-      <p:ext uri="{BB962C8B-B14F-4D97-AF65-F5344CB8AC3E}">
-        <p14:creationId xmlns:p14="http://schemas.microsoft.com/office/powerpoint/2010/main" val="247848553"/>
-      </p:ext>
-    </p:extLst>
-  </p:cSld>
-  <p:clrMapOvr>
-    <a:masterClrMapping/>
-  </p:clrMapOvr>
-</p:notes>
-</file>
-
-<file path=ppt/notesSlides/notesSlide4.xml><?xml version="1.0" encoding="utf-8"?>
-<p:notes xmlns:a="http://schemas.openxmlformats.org/drawingml/2006/main" xmlns:r="http://schemas.openxmlformats.org/officeDocument/2006/relationships" xmlns:p="http://schemas.openxmlformats.org/presentationml/2006/main">
-  <p:cSld>
-    <p:spTree>
-      <p:nvGrpSpPr>
-        <p:cNvPr id="1" name=""/>
-        <p:cNvGrpSpPr/>
-        <p:nvPr/>
-      </p:nvGrpSpPr>
-      <p:grpSpPr>
-        <a:xfrm>
-          <a:off x="0" y="0"/>
-          <a:ext cx="0" cy="0"/>
-          <a:chOff x="0" y="0"/>
-          <a:chExt cx="0" cy="0"/>
-        </a:xfrm>
-      </p:grpSpPr>
-      <p:sp>
-        <p:nvSpPr>
-          <p:cNvPr id="2" name="슬라이드 이미지 개체 틀 1"/>
-          <p:cNvSpPr>
-            <a:spLocks noGrp="1" noRot="1" noChangeAspect="1"/>
-          </p:cNvSpPr>
-          <p:nvPr>
-            <p:ph type="sldImg"/>
-          </p:nvPr>
-        </p:nvSpPr>
-        <p:spPr/>
-      </p:sp>
-      <p:sp>
-        <p:nvSpPr>
-          <p:cNvPr id="3" name="슬라이드 노트 개체 틀 2"/>
-          <p:cNvSpPr>
-            <a:spLocks noGrp="1"/>
-          </p:cNvSpPr>
-          <p:nvPr>
-            <p:ph type="body" idx="1"/>
-          </p:nvPr>
-        </p:nvSpPr>
-        <p:spPr/>
-        <p:txBody>
-          <a:bodyPr/>
-          <a:lstStyle/>
-          <a:p>
-            <a:endParaRPr lang="ko-KR" altLang="en-US" dirty="0"/>
-          </a:p>
-        </p:txBody>
-      </p:sp>
-      <p:sp>
-        <p:nvSpPr>
-          <p:cNvPr id="4" name="슬라이드 번호 개체 틀 3"/>
-          <p:cNvSpPr>
-            <a:spLocks noGrp="1"/>
-          </p:cNvSpPr>
-          <p:nvPr>
-            <p:ph type="sldNum" sz="quarter" idx="10"/>
-          </p:nvPr>
-        </p:nvSpPr>
-        <p:spPr/>
-        <p:txBody>
-          <a:bodyPr/>
-          <a:lstStyle/>
-          <a:p>
-            <a:fld id="{87A2225B-2C4D-4B13-B6C4-DA929B53D897}" type="slidenum">
-              <a:rPr lang="ko-KR" altLang="en-US" smtClean="0"/>
-              <a:pPr/>
-              <a:t>8</a:t>
             </a:fld>
             <a:endParaRPr lang="ko-KR" altLang="en-US"/>
           </a:p>
@@ -1030,7 +946,7 @@
             <a:fld id="{DE1A12B0-A017-4303-9BC2-26321D2DA02B}" type="datetime1">
               <a:rPr lang="ko-KR" altLang="en-US" smtClean="0"/>
               <a:pPr/>
-              <a:t>2017-06-02</a:t>
+              <a:t>2017-09-12</a:t>
             </a:fld>
             <a:endParaRPr lang="ko-KR" altLang="en-US"/>
           </a:p>
@@ -1197,7 +1113,7 @@
             <a:fld id="{A9FCAA8D-CBAD-445A-9D65-6335393DC023}" type="datetime1">
               <a:rPr lang="ko-KR" altLang="en-US" smtClean="0"/>
               <a:pPr/>
-              <a:t>2017-06-02</a:t>
+              <a:t>2017-09-12</a:t>
             </a:fld>
             <a:endParaRPr lang="ko-KR" altLang="en-US"/>
           </a:p>
@@ -1374,7 +1290,7 @@
             <a:fld id="{36C96671-C311-42A6-8CED-26AA1322662C}" type="datetime1">
               <a:rPr lang="ko-KR" altLang="en-US" smtClean="0"/>
               <a:pPr/>
-              <a:t>2017-06-02</a:t>
+              <a:t>2017-09-12</a:t>
             </a:fld>
             <a:endParaRPr lang="ko-KR" altLang="en-US"/>
           </a:p>
@@ -1580,7 +1496,7 @@
             <a:fld id="{EE9AA98E-5386-4A0F-80D8-17A6F5BCBD7A}" type="datetime1">
               <a:rPr lang="ko-KR" altLang="en-US" smtClean="0"/>
               <a:pPr/>
-              <a:t>2017-06-02</a:t>
+              <a:t>2017-09-12</a:t>
             </a:fld>
             <a:endParaRPr lang="ko-KR" altLang="en-US"/>
           </a:p>
@@ -1870,7 +1786,7 @@
             <a:fld id="{178E93D8-31DA-4C3B-980E-9CEB299259E6}" type="datetime1">
               <a:rPr lang="ko-KR" altLang="en-US" smtClean="0"/>
               <a:pPr/>
-              <a:t>2017-06-02</a:t>
+              <a:t>2017-09-12</a:t>
             </a:fld>
             <a:endParaRPr lang="ko-KR" altLang="en-US"/>
           </a:p>
@@ -2155,7 +2071,7 @@
             <a:fld id="{A0CDA77F-9172-4F2A-99F0-51ED4398EE68}" type="datetime1">
               <a:rPr lang="ko-KR" altLang="en-US" smtClean="0"/>
               <a:pPr/>
-              <a:t>2017-06-02</a:t>
+              <a:t>2017-09-12</a:t>
             </a:fld>
             <a:endParaRPr lang="ko-KR" altLang="en-US"/>
           </a:p>
@@ -2574,7 +2490,7 @@
             <a:fld id="{4D0980CE-9228-4228-B59C-F4460469E75A}" type="datetime1">
               <a:rPr lang="ko-KR" altLang="en-US" smtClean="0"/>
               <a:pPr/>
-              <a:t>2017-06-02</a:t>
+              <a:t>2017-09-12</a:t>
             </a:fld>
             <a:endParaRPr lang="ko-KR" altLang="en-US"/>
           </a:p>
@@ -2689,7 +2605,7 @@
             <a:fld id="{6E7D6AB7-5352-4AB8-805B-F31720D65877}" type="datetime1">
               <a:rPr lang="ko-KR" altLang="en-US" smtClean="0"/>
               <a:pPr/>
-              <a:t>2017-06-02</a:t>
+              <a:t>2017-09-12</a:t>
             </a:fld>
             <a:endParaRPr lang="ko-KR" altLang="en-US"/>
           </a:p>
@@ -2781,7 +2697,7 @@
             <a:fld id="{F4EB5EAC-332A-49E3-ABBD-1ACF8043E68A}" type="datetime1">
               <a:rPr lang="ko-KR" altLang="en-US" smtClean="0"/>
               <a:pPr/>
-              <a:t>2017-06-02</a:t>
+              <a:t>2017-09-12</a:t>
             </a:fld>
             <a:endParaRPr lang="ko-KR" altLang="en-US"/>
           </a:p>
@@ -3055,7 +2971,7 @@
             <a:fld id="{602AB296-0A52-4D46-9E79-99C29995FD60}" type="datetime1">
               <a:rPr lang="ko-KR" altLang="en-US" smtClean="0"/>
               <a:pPr/>
-              <a:t>2017-06-02</a:t>
+              <a:t>2017-09-12</a:t>
             </a:fld>
             <a:endParaRPr lang="ko-KR" altLang="en-US"/>
           </a:p>
@@ -3305,7 +3221,7 @@
             <a:fld id="{897F3C47-6F5C-47A9-AD53-431B469D68FC}" type="datetime1">
               <a:rPr lang="ko-KR" altLang="en-US" smtClean="0"/>
               <a:pPr/>
-              <a:t>2017-06-02</a:t>
+              <a:t>2017-09-12</a:t>
             </a:fld>
             <a:endParaRPr lang="ko-KR" altLang="en-US"/>
           </a:p>
@@ -3515,7 +3431,7 @@
             <a:fld id="{ADFE73DC-2D0C-4B18-AD93-F68D9CEF260A}" type="datetime1">
               <a:rPr lang="ko-KR" altLang="en-US" smtClean="0"/>
               <a:pPr/>
-              <a:t>2017-06-02</a:t>
+              <a:t>2017-09-12</a:t>
             </a:fld>
             <a:endParaRPr lang="ko-KR" altLang="en-US"/>
           </a:p>
@@ -3894,23 +3810,16 @@
             <a:spLocks noGrp="1"/>
           </p:cNvSpPr>
           <p:nvPr>
-            <p:ph type="ctrTitle"/>
-          </p:nvPr>
-        </p:nvSpPr>
-        <p:spPr>
-          <a:xfrm>
-            <a:off x="685800" y="332656"/>
-            <a:ext cx="7772400" cy="1800200"/>
-          </a:xfrm>
-        </p:spPr>
-        <p:txBody>
-          <a:bodyPr anchor="ctr">
-            <a:normAutofit/>
-          </a:bodyPr>
-          <a:lstStyle/>
-          <a:p>
-            <a:r>
-              <a:rPr lang="ko-KR" altLang="en-US" sz="4800" dirty="0" err="1" smtClean="0">
+            <p:ph type="title"/>
+          </p:nvPr>
+        </p:nvSpPr>
+        <p:spPr/>
+        <p:txBody>
+          <a:bodyPr/>
+          <a:lstStyle/>
+          <a:p>
+            <a:r>
+              <a:rPr lang="en-US" altLang="ko-KR" sz="2800" dirty="0" smtClean="0">
                 <a:solidFill>
                   <a:schemeClr val="tx1">
                     <a:lumMod val="75000"/>
@@ -3918,10 +3827,10 @@
                   </a:schemeClr>
                 </a:solidFill>
               </a:rPr>
-              <a:t>데이터마이닝</a:t>
-            </a:r>
-            <a:r>
-              <a:rPr lang="ko-KR" altLang="en-US" sz="4800" dirty="0" smtClean="0">
+              <a:t>“Default </a:t>
+            </a:r>
+            <a:r>
+              <a:rPr lang="en-US" altLang="ko-KR" sz="2800" dirty="0">
                 <a:solidFill>
                   <a:schemeClr val="tx1">
                     <a:lumMod val="75000"/>
@@ -3929,112 +3838,10 @@
                   </a:schemeClr>
                 </a:solidFill>
               </a:rPr>
-              <a:t> 프로젝트</a:t>
-            </a:r>
-            <a:endParaRPr lang="ko-KR" altLang="en-US" sz="2400" dirty="0">
-              <a:solidFill>
-                <a:schemeClr val="tx1">
-                  <a:lumMod val="75000"/>
-                  <a:lumOff val="25000"/>
-                </a:schemeClr>
-              </a:solidFill>
-            </a:endParaRPr>
-          </a:p>
-        </p:txBody>
-      </p:sp>
-      <p:sp>
-        <p:nvSpPr>
-          <p:cNvPr id="3" name="부제목 2"/>
-          <p:cNvSpPr>
-            <a:spLocks noGrp="1"/>
-          </p:cNvSpPr>
-          <p:nvPr>
-            <p:ph type="subTitle" idx="1"/>
-          </p:nvPr>
-        </p:nvSpPr>
-        <p:spPr>
-          <a:xfrm>
-            <a:off x="654993" y="5132784"/>
-            <a:ext cx="7814964" cy="1608584"/>
-          </a:xfrm>
-        </p:spPr>
-        <p:txBody>
-          <a:bodyPr anchor="ctr">
-            <a:noAutofit/>
-          </a:bodyPr>
-          <a:lstStyle/>
-          <a:p>
-            <a:pPr>
-              <a:lnSpc>
-                <a:spcPct val="110000"/>
-              </a:lnSpc>
-            </a:pPr>
-            <a:r>
-              <a:rPr lang="ko-KR" altLang="en-US" sz="2400" dirty="0" smtClean="0">
-                <a:solidFill>
-                  <a:schemeClr val="tx2"/>
-                </a:solidFill>
-              </a:rPr>
-              <a:t>숭실대학교 컴퓨터학부</a:t>
-            </a:r>
-            <a:endParaRPr lang="en-US" altLang="ko-KR" sz="2400" dirty="0" smtClean="0">
-              <a:solidFill>
-                <a:schemeClr val="tx2"/>
-              </a:solidFill>
-            </a:endParaRPr>
-          </a:p>
-          <a:p>
-            <a:pPr>
-              <a:lnSpc>
-                <a:spcPct val="110000"/>
-              </a:lnSpc>
-            </a:pPr>
-            <a:r>
-              <a:rPr lang="ko-KR" altLang="en-US" sz="2400" dirty="0" smtClean="0">
-                <a:solidFill>
-                  <a:schemeClr val="tx2"/>
-                </a:solidFill>
-              </a:rPr>
-              <a:t>기계학습 연구실 채병주</a:t>
-            </a:r>
-            <a:endParaRPr lang="ko-KR" altLang="en-US" sz="2400" dirty="0">
-              <a:solidFill>
-                <a:schemeClr val="tx2"/>
-              </a:solidFill>
-            </a:endParaRPr>
-          </a:p>
-        </p:txBody>
-      </p:sp>
-      <p:sp>
-        <p:nvSpPr>
-          <p:cNvPr id="4" name="부제목 2"/>
-          <p:cNvSpPr txBox="1">
-            <a:spLocks/>
-          </p:cNvSpPr>
-          <p:nvPr/>
-        </p:nvSpPr>
-        <p:spPr>
-          <a:xfrm>
-            <a:off x="1102268" y="2924944"/>
-            <a:ext cx="6936432" cy="648072"/>
-          </a:xfrm>
-          <a:prstGeom prst="rect">
-            <a:avLst/>
-          </a:prstGeom>
-        </p:spPr>
-        <p:txBody>
-          <a:bodyPr vert="horz" lIns="91440" tIns="45720" rIns="91440" bIns="45720" rtlCol="0" anchor="ctr">
-            <a:noAutofit/>
-          </a:bodyPr>
-          <a:lstStyle/>
-          <a:p>
-            <a:pPr lvl="0" algn="ctr" latinLnBrk="0">
-              <a:spcBef>
-                <a:spcPct val="20000"/>
-              </a:spcBef>
-            </a:pPr>
-            <a:r>
-              <a:rPr lang="en-US" altLang="ko-KR" sz="2400" dirty="0" smtClean="0">
+              <a:t>of </a:t>
+            </a:r>
+            <a:r>
+              <a:rPr lang="en-US" altLang="ko-KR" sz="2800" dirty="0" smtClean="0">
                 <a:solidFill>
                   <a:schemeClr val="tx1">
                     <a:lumMod val="75000"/>
@@ -4042,10 +3849,10 @@
                   </a:schemeClr>
                 </a:solidFill>
               </a:rPr>
-              <a:t>2017</a:t>
-            </a:r>
-            <a:r>
-              <a:rPr lang="ko-KR" altLang="en-US" sz="2400" dirty="0" smtClean="0">
+              <a:t>credit card clients” </a:t>
+            </a:r>
+            <a:r>
+              <a:rPr lang="ko-KR" altLang="en-US" sz="2800" dirty="0" smtClean="0">
                 <a:solidFill>
                   <a:schemeClr val="tx1">
                     <a:lumMod val="75000"/>
@@ -4053,94 +3860,310 @@
                   </a:schemeClr>
                 </a:solidFill>
               </a:rPr>
-              <a:t>년 </a:t>
-            </a:r>
-            <a:r>
-              <a:rPr lang="en-US" altLang="ko-KR" sz="2400" dirty="0">
-                <a:solidFill>
-                  <a:schemeClr val="tx1">
-                    <a:lumMod val="75000"/>
-                    <a:lumOff val="25000"/>
-                  </a:schemeClr>
-                </a:solidFill>
-              </a:rPr>
-              <a:t>6</a:t>
-            </a:r>
-            <a:r>
-              <a:rPr lang="ko-KR" altLang="en-US" sz="2400" dirty="0" smtClean="0">
-                <a:solidFill>
-                  <a:schemeClr val="tx1">
-                    <a:lumMod val="75000"/>
-                    <a:lumOff val="25000"/>
-                  </a:schemeClr>
-                </a:solidFill>
-              </a:rPr>
-              <a:t>월 </a:t>
-            </a:r>
-            <a:r>
-              <a:rPr lang="en-US" altLang="ko-KR" sz="2400" dirty="0">
-                <a:solidFill>
-                  <a:schemeClr val="tx1">
-                    <a:lumMod val="75000"/>
-                    <a:lumOff val="25000"/>
-                  </a:schemeClr>
-                </a:solidFill>
-              </a:rPr>
-              <a:t>2</a:t>
-            </a:r>
-            <a:r>
-              <a:rPr lang="ko-KR" altLang="en-US" sz="2400" dirty="0" smtClean="0">
-                <a:solidFill>
-                  <a:schemeClr val="tx1">
-                    <a:lumMod val="75000"/>
-                    <a:lumOff val="25000"/>
-                  </a:schemeClr>
-                </a:solidFill>
-              </a:rPr>
-              <a:t>일</a:t>
-            </a:r>
-            <a:endParaRPr lang="en-US" altLang="ko-KR" sz="2400" dirty="0" smtClean="0">
-              <a:solidFill>
-                <a:schemeClr val="tx1">
-                  <a:lumMod val="75000"/>
-                  <a:lumOff val="25000"/>
-                </a:schemeClr>
-              </a:solidFill>
-            </a:endParaRPr>
-          </a:p>
-        </p:txBody>
-      </p:sp>
-      <p:sp>
-        <p:nvSpPr>
-          <p:cNvPr id="35845" name="AutoShape 5" descr="data:image/jpeg;base64,/9j/4AAQSkZJRgABAQAAAQABAAD/2wCEAAkGBxQQEhMUExQVFhQWGBUYFhcYGBceHBYaGBwWGB4eHx4aHCgiHRwlHRkcITEhJSkrLi4uHR8zODMsNygtLisBCgoKDg0OGxAQGy0mICY3LTQsLSw0LC0sNC8yLCwsNCwtLywsLC0vLCwsLCwsLCwsLC0sLCwsNSwsLCwsLCwsLP/AABEIAP8AxQMBIgACEQEDEQH/xAAcAAEAAgMBAQEAAAAAAAAAAAAABgcDBAUIAQL/xABLEAABAwICBgcDCAYIBQUAAAABAAIDBBEFIQYHEjFBURMiYXGBkaEyQlIUYnKCorHB0SMzQ3OSwiQ0Y5Oy0uHwFRYlg/FEU1RVo//EABkBAQADAQEAAAAAAAAAAAAAAAACAwQFAf/EADARAAICAQMCBAUDBAMAAAAAAAABAgMREiExBEEiMlHwE2FxkbHB0eEjUoGhM0Lx/9oADAMBAAIRAxEAPwC8UREAREQBERAEREAREQBERAEREAREQBERAEREAREQBERAEREAREQBERAEREAREQBERAEREAREQBERAEREAREQBERAEREAREQBERAEREAREQBEXK0h0hgoY9ud9r+y0ZueeTRx79y9SbeEeN4Oqo9jumlHR3EkoLx+zZ1neIGQ8SFVOlGsKprNprCYIfhaes4fOd+At4rl6P6JVVbYxREMP7R/VZ33ObvC62w6RJarHgpd2dokyxPW683FPTgDg6R1z/C3d5lRyr1jYhJ+2DPoMaLfxAqTw6uKOlaHV1X9UOEbfC/WPhZH4lgFPkyHpTzDHuv4vNlbF0ryQz/j9yD193ghZ02r/wD5cn2P8q2qbWFiDP8A1G19NjCPQBSb/nTCP/rz/cwf5l8bjOBT5PpnRX47BFvGNxU8rvX/AKR5j0kYMN1tztsJoI5O1hLD63Cm+B6wKKqsOk6J59yXq59jvZPmomNBcOrBeirLO4N2g/7LrO9VF8f0ArKQFxZ00Y9+K5y7W+0PVVOuizZbMlqsj8y/Qbr6vPei+mtTQEBruki4xPJt9U72n07FdGi+lMGIMvE6zx7cbvab+Y7Rks13TSr35RbCxSO4iIs5YEREAREQBERAEREAREQBEUb040pZh0G1k6Z9xEzmfiPzR+Q4qUYuTwjxtJZZh040zjw5my2z6hw6jL+yPidyHZx9VSkstTiNRc7U08hyA+4Dc1o8glNTz4hU7IvJPKbkn1JPBoHkMgrLmnptHafYZaWtkbck7z2n4Ywdw4+ZHTjFULTHeT9/YzNue74NXD9EqPCohUYi9sknuxb235Nbve7tOQ9Vx9IdZtRN1KYfJ49wIsXkd+5vcB4qIYrictVI6WZ5e88TuA5NHAdi1FbGjL1Wbv8A0Qc+0dj91EzpHFz3Oe473OJJPiVjRFeVmWmgdK9rGNLnuNmtG8nkF+6mikiDTIxzQ69iQQCRkRfmOI3hdvV1Bt4lSi17Oc49zWOP32V14vgoftOY1hLv1kTxeObh1h7r7bnjPncLNd1Hw5KJbCvUsnnJpsQRkRuI3qX6OaxaukIa93TxfC89YDsfv87qQYtq3jqA59E4xPB69PL7p32BzLezeDwKrvFMLmpX9HPG6N3C4yPaDuI7lJSruWP/AE8xKG5aVThNBjzHSUzhDVAXcLWN/nt94fOHnwVbVdJU4ZUAO2opmG7XA5Ecwdzmnl4ELRo6t8L2yRPcx7c2uacx/p2K1cHxinx6D5LVgMqWi7HC2ZHvs7ebPw3VtSp+cfx/B7tP5M7Wgem7MQb0clmVLRm3hIB7zfxHBTFebsYwyfDanYcS2RhDo5G5bQvk5v5d4V06BaWNxGHrWbPHYSN58nj5p9DksvUUKPjhwXV2Z8MuSUIiLGXBERAEREAREQBERAa2JVzKeJ8shsxjS5x7B+J3LzxpFjEmI1LpSCS8hsbN+y29mtHb+JU11x6QbT20bD1W2fLbi73W+A63iFrarsFYwSYhUWEUId0ZPxD2neHsjtJXR6eKqr+I+Xx7+ZmseqWlHYpmR6PUW28NfWzjd28voMvmeJ7wqrrqx88jpJXF73m7nHj+Q4WW/pRjr6+ofM+4Byjb8DBuHfxPaVyVqqrcfFLl8/sVTlnZcBERXEArr0J0DgjpWOqYWvmkG07bF9gHc0crDf23VT6N1sdPVQyzM242Ou5vgbGx32NjbsVwYrrApnU0jqWphEwF2Nl2hmM7bNr3tkO1Y+qdjxGP3LqtPLOXX6FU1LK4tdJTl7mmmqGu6sL93RuBO4nMXyN7XFhft4TpO+GRtLiDRFMco5h+qqO1p913zSuVh2LR12zHW1NHNFMwOEIa5jmPFjbaLiHEXsdy2XYDM1skLmx1mHkjo2F95oRb3XEWcAdw2r23Hgs0t9rPf0z+OC1esTb0s0npKVx2piypYMgxpc6xzDXDcWHtI5gg5pI6HFaWNlZF0TpWNfGbgi7gCDG/nn7JseFiFFMbwYsjtM19XRtybK0WqqPsIOb2DkeCn2jD4JqOFkcjJ42xsjJsM9kAdZp3HLcVGUYwinHn19/hnqbbwyi9J9HZcPmMcouDcseNz28+w8xwXLp5nRua9ji17SC1w3tI3EK+9JdGTPC6IWkj3iN56zDwMchuQR8Lrg7rgKicQonwSPikaWvabEG1xxG4kbjfet9FysjvyZ7IaWWpTyx6Q0JY/ZZWQ7j28D9B9rEcD3BVvhOIzYdVCQAtkicWvYfeF7OYe/8AIr86O4y+hqGTx+6bOb8bTvaf97wFN9aGDsnjixKnzZIGiW3EH2Xd/unwUUlXLQ/K+P2PW9S1d0WlhOIsqoY5ozdj2gjs5g9oOS21UGp3SDo5HUjz1ZLvivwePab4jPvB5q31zbqvhzcTTCWpZCIiqJhERAEREAWnjGINpoJZn+zG0uPbbcPE5LcVba6MW2IYqYHOVxe/6LN3m4jyVlUNc1EjOWmOSsoIpa+qAveWokzPIuNye5o9Ap1rQr20sEGGwZNa1rpLch7IPebuPhzWLU9hrdueskyZC0taTwJG04+DQPNQfHMTdV1Es7t8jiQOTdzR4NAXU89uO0fyZPLH6miiLJTwOkc1jGlz3ENa0byTkAtJWY0VuaM6q2NAfWO23f8AtsJDW95Gbj3WHeuvXasaCQHZY+I2yLHnLwdcFZX1laeC1UywUYrZ0PqKCelo+nibJUxNdG1gYXus0+0WtBysAbuyzK0cd1V9FG50FQXua1zujeGguDczYt/JaWgejFS+BtXSzGKV0vR7mlvQ+84gjMhwyHYvLbK7IZTPYxlGXBYmlmGNkbC8UcdS2MnajIAeGOAuY79XaBA6p38wuFRtw2aRrKYy0lXcWa1srHNPJ7CNkt78jzU7ooXMY1r3mRw3vIaC7waLBcrG9HRPIyeKR0FTGCGytAIc0+69pyc317VghZ/1bL3HujbdCyoAfHIBIMukjIOY3gjcRf3T6HNQHSOiFG4zhzqKpN9mSEF0FUd+yWe68/CfAuX3GMTpGul+XB8dQw7IkpmVERmAyJvk1w+sR2rf0XmgregIefk1PnFHNK10r5to2e8XJs0EhoJzvuyCtjFwWrfHv7/Yi2pbEI0j0yxJ4aybbpwW7msdGX8zc5+AKiDnE5kknmVaOu+oH9Fjv1gZHkdlg37/ALlVi3dO04JpYM9m0sZCszVViLaiKfDps2Oa5zAfhdk8DuJDh3lVmuhgOJmkqIZx+zeCe1u5w8Wkqd0NcGvseQlh5PtXBJQVTm3tLBJkeZaQWnuIsfFeicFxFtVBFM3dI0O7id48DcKq9ceGjpIKtmbZm7LjzLRtNPi0n+FdvUvim3BLTk5xO2m/Rf8Ak4HzCx9R/UpVnf3+pfX4ZuJYyIi5xoCIiAIiIAqD1n4j0+IS59WINjHZsi7vtEq+pHWBJ3AE+S8zvJqqg8TNKf8A9H/6rd0MfE5ehRe9kixqv/p+j7W7pKi1+d5jtHyZl4KrFZuuioDfklO32Wtc+3dZjfTaVZLX028NXq2ym3nHoFLtWMTfljpni7KeGSU+AsPHMqIq1NV2CMqKCqFy10z+je4WJ2GhvVF91wXeal1EtNbyeVrMicaK6Rsr4TKGPi2SWva+12kAE+FjvyWODSYSVZp4oZZGNydUNt0bXW2iCb8BbdfM2X6x6g26SpipgNt/VcGkAknZDrng7YWCfRYRUTqSjd0FyTtkvJbc3JBa4G/LO3YuUlXz7XzNfiMGJ0ExfVVbmta+KCWKnbtlzS09dz3ZCxdZotw2eKrzV3pvJSujp5bup7ODGsj2n7biCLWzI35dqsL/AJedJRCgmrHOlAc5zmuAe9pLtkEOJcWZgdtrKi4nuhlBBIfG/e3eCx3DyWyiMZxlF7lNjcWmem6WbpGNdsuZtC+y8WcO8XyKyqNjTzD9ja+VR7r7Nztd2za9+xYMO00NRd0NFVyRe5IGsAfzID3tsP8AeSw/Cnzgv1x9TpYzgLayWEzNa6KElwYc9t5Futw2QOGdz3Z1/p5t4RUslpWQtimF9h0TXNZIy1y3cWkgg5EDJT9uKVLz1KNzRzlljb6M2yvzpTo1HiMbGSlzdh22Cwi97EWzG7P0CsrnoktXH3IyjlbclA4vistXK6WZ2085cgANwA4DsWktvFaF1PNLC72o3uae2xyPiLFai7EcY2Mb+YREXp4Wm8/LtHrnN9P53hNvVh9VHtVFf0WIMbfKVj2HtNtoerV3tUDxLT11MdzrH+8a5h/whV/gFQYKqnfuLJY79nWAPpdZIx2sr97lzflkel0RFyTWEREAREQHM0nqOio6l/wwykd+yVQ+glPt4hSN/tA7+AF/8qunWE/Zw2rP9mR5kD8VUuq6O+JQdgkP2CPxXQ6bamb98Ge3zpG1ren2sQLfgijb53d/MoUpRrMdfEqj6g8mNUXWylYrj9CifmYUh0T0umw0vEQa5jyC5jr7xlcEbjbLwCjymerfRBuIPe+a/QREAgGxe452vwAGZtzC9tcFBufAhnOxnrsZrqsurqeGSOnY+J0rWONnujsS47i7KwJAsABfcrX0e0igrow+F4Jt1mXG0w8iPx3LoUlKyJjY42hrGizWgZAKMY5q/pKjbexnQzEHZfGS0B3AkNNt+/muXKyuezWPT+TUoyjvyZMarX0HyiqqJojHsbMEbYw15dmQC4kl2fKwGZsq50d1b1NYxs0r2wtf1swS9wOd9nIC975nwXOrtH6mGrp4q3bLHSsaJHOLmFpcL2cd2XA2Kv8AaLCw3cFbObpitLy33+hFLW9+xAqXVPRtbZ75nu57Qb6NCluAUBpqaGFxBMbA0kZA24rFjGkUFKQ17i6V3sxRgvkd3NbnbtNgo6Kp2L1EkBE0NLAGmZjgWSTPdezDbMMAFzbfkqW7LFmb2J4jF7ckto8ThmaXxyMcwOc0uBFtppsRfsK2WPDhcEEHcQuDS6FUERu2mj7nXcPJxIWDQWARtq2syhbVTCJvBoFtoDkA/ayVbjHDcWSTfcjGsLQSaoklq4dhzur+ia0guDRbauTm+1srDIDiqne0gkEEEEgg5EHkQeK9M1uKRxOaxxJkd7LGgucRz2W5gdpyUU1h6FsrI3TxN2alg2sh+tAHsu+dyPgtfT9S44jPjsymyrO8SkUXwFfV0jMWDqWltVzN+KH1a5v5qGaRR9HVVLRlszS27LONlKNT5/6h/wBqT72Lg6af16s/ev8AwWeP/PL6IsfkR6IpJNqNjvia0+YBWZaOA/1an/dRf4WreXHfJsQREXh6EREBG9YwvhtV9AejmqqdVZtiUP0ZR9kq4NNYdugqx/YyHyaT+CpXVzLs4lSnm5zf4mPH32XQ6bema+v4M9nnR+tY7bYlU97T9lqjSl+taLZxKU/EyJ32bfgogttO9cfoiifmYV96rsPMGHxbQs6QulP1j1fsgKiqOmMskcY3vexg+sQPxXp2CIMa1o3NAA7gLLL10sRUS2hbtmRFz8bxiKjj6WYlrLhtw1zsz2NBy7Vmw7EYqlgkhkbIw7nNNx/oexc3S8Z7GnKzg/VfRRzxujlYHscLFp3H/fNROg1fMjLwamq6MuvG1sz27LbeybHOx45ZKaL8veGgkkADeTuClGyUVhM8cU+TRwnBIKUHoYw0u9p2Zc7vcbk+JUd0t0hGF1UUr2l0M7HMkDbXDoyC1wvvyeQfDksWL6yII5RDTRvqpCbER7u2xsdo9wt2rZp8LqK+eGorIo4oodoxU5s95c4AbTz7It8IurYwaeqzj/ZFtPaJz49JarFf0dDE+CE5PqpALtHHowMi7tubdi6rphSiPD6EAzBt3OdmIWnfLJze43IbvceQWxpfj/yGJrYm7dRKejp4xxceNvhG8+C5OBYO6Imm2y+aS02ITcSXezEDwv6NB3bQXuzjnGF2X6s87/MlGE4YynabEve6xkldm+Q8yfuAyHALfIXwC2QX1Z28vJaeZMYp+jqJ2fDLIPAONvRaa6Wksm3WVThxml/xELnLvx4Rz3yTfU829eTyif8AexR7TN166rP9rJ99lLtScF6mofwbEG+LnX/lUGxh/TVE5GfSSyEfWebfeqI/80voib8iPR2BttTQA7xFGPshbqxwM2WtbyAHkLLIuO+TagiIvAEREBgrYekjew+81zfMELzdgk5p6mBzt8crNr6rgD+K9MLzlptQdBXVMe4dI5ze5/XH3rf0LzqiZ71wyVa6qXZqYJOD4i3xY6/3PCrtWnp3/TMIpKoe0zoy7mA4bDvtW8lVi19M/wCnj02KrPNklWrKi6bEYL7o9uQ/VFh6kK/VTepVgNXOeIht5vb+SuRYOtebMF9C8J8IuoRpPok2Mvq6Wp+QvAvKRlG4c3AEAHzvyU4WniOGRVIaJmB7WuDw119naG4kbnW5G6z1zcWWSWUU7Q/8XkbLUx1EvRNDj0r3bLXtbc3ax43ZcguNTVdZis0dO6eR+2bWceq0by4tbYZDNXzjOGMqqeSB1w17dnLK3K3cQFSOr7Eo6HELzkBtpIi/g117X+jdtr9q6FVuuMpKKyuDPKOlpZ2Lj0a0agoIwyFo2rDbkPtPPaeXYMgupUztjY57yA1oLnE8AMyv3G8OALSCDmCDcEd6hWt/EOioCwGxme2Pwzc70bbxWCKdk0n3NDajHY5uEV3SfKMZqGktAMdFFx2b7It857js+JU00bw50EP6TOaQmSZ3OR28dzRZo7GhRyCJtRV01Kz9RQxslkA3GUi0bT9EXd3qcKd0u3vHZfqRggtPGK4U8Esrt0bHO8hkPE5LcVba5MdDImUjT1pCHydjGnIeLh9lQqhrmokpy0rJUbnlxJO8kk95Nz6r4viErumAtLVYPk9BXVRy327eiYT/AInWUC0TpOmrKVnxSsJ7mnbP3KfY435BgEUO58+yCP3h6R32clxtT+H9JXGS2UMZP1n9Uem0scZeGyz3tsXNbxiXaiIuUawiIgCIiAKoNdOGbE8NQBlI0xu+kzMeYJ/hVvqN6wcG+WUMrALvYOkZ9JmdvEXHir+nnosTIWRzEh+rKRtZQVdC87tot7GyXN/B4J8QqvmicxzmOFnNJa4ci02PqF3dA8a+R1sUhNo3fo5Povtn4Gx8Cu3rbwToKoTtH6OoFyeAkbv8xY+a6MfBa12e/wDkzPxQz6H51PVojriw/tY3NHe0h33Aq7l5bhlcxzXsJa5pBaRvBGYK9JaPYsyrp4pmEHaaNoD3XWzB5EFZetrxJTLaJbYOkiIsJecPSynq5Y2R0j2xl7rSyH2mR2Ny353++1cSo1XUTmNaBI14GcgebuPMg3HopusVRUsjF3va0c3EAeqsjbOKxHYi4p8lZVmFVeADp6eYz0oIEkT8tkHIHLIZ8RbtBG6K6eaYf8TMOzGY2xh1wSDdzrZ5cgPUqw9KNPqHo5IWk1LpGuZsRi4O0CLbW7yuVENENWktR+kqtqGK3Vbl0ju3P2R359gW6qSS+JasP8/4KJLL0w4OvqexKCJj4nv2Z5pC5ocCOkAaB1XHJx35XurRUU0b0PbBFHHOGymnmkkp3Z3a1xyvuzzuRuvbkpWsd8oym2i6tNRwzQxzFWUcEk8h6rBe3Fx3ADtJsF5zxjEn1U0k0h68huewbg0dgFgpvrd0j6aYUsZ6kJvJbjJy+qPUnkq8XQ6SrTHU+WZ7p5eAuvolhPyyrhhtdpcHP7GN6zvy8QuSrQ1b0jaCjqMRmFrtIjB3ljd1vpvsB3BXXT0Q257EILLOXrgxUS1TIGnqwNz+m+xPk0N8ypdqewroqN0xHWndcfQZ1W+u0fFVJTQy19UG75aiTM8i43J7gLnuC9IUNI2GNkbBZrGta0dgFlj6l/DqjWvftl1Xik5GdERc80BERAEREAREQFAaxtH/AJFWPDR+imvJHyFz1m+BPkQpno3O3GsMfSSuHTwgBrjv6v6t/psnx5qV6c6ODEKV0YsJW9eI8nDh3EZf+FR+A4tLh1S2VoIcwlskZy2hezmnt/EBdOEvjVbeZGWS0S+TOdU07onujeC17CWuaeBG9dLRf5WZwyjc9srvhdsggby6+Vh2qe6fYCzEIG4jR9Y7IMjRve0cbfG3cRyHYFXWA4q6knjnZmWG+zewcCLFpI4G60Rn8SDwt/T5lbjpkW7RaKV87P6biEoPusgLWi3ziGi5X4qdHcUpAXUlc6cD9nOGknucfuyUtwHGoq2FssLg5pyI4tdxaRwIW7NO1gu9zWjm4gD1XLds08NL6YRq0RwVHhOM4jiFYKOeofTEB5eI2BjurY2zubm++9rKUN1YUrjtTSVEx+fJ+QXBxfSWmbjdPOyRrohH0csjTdoLtsb+y7bnl3Kx2Y1TEXFRCR+8Z+autlOONCxldiMFF5zuYcI0bpaT9RAxh+K13fxG59V1VzpsdpmC7qiED94z81wsR1kYfDe03SH+zaXD+LJvqs2iyb4bLMxRLlE9P9Lm0ERawg1Lx+jb8I3bZ7Bw5nxULx3WvM8FtNEIh8b+s7wbuHjdaOiGjUeMNmfLUyiqDru9k3afZdnmRvFgRay0Q6bR47eCuVmdokIe8uJJJJJJJO8k5kr8rsaT6OTYfL0coBBuWPHsvHZyI4hc6jpHzPbHG0ue82a0cT+XauopJrK4MrTzg6eiWAOr6lkIvse1K74WDf4ncO/sUr1r4428dDBYRw7JkA3bQFms+qMz2kcl16iSPR6h2Glrq2YXv87dtW+Bm4cz3lV3o1gsmI1QjBPWJdK/4W36zj2nh2lZk1OXxH5Vx+5Y1pWnuyd6m9H/AG6x45xw93vO/lHc5WosFFSMhjZHGNljGhrRyAyWdcy6z4k3I1QjpWAiIqyQREQBERAEREAVZa1NDTJesp23eB+mYPeA98DiQN/Md2dmorKrHXLUiMoqSwygtA9MHYdJZ13Uzz128Wn429vMcQpBpvoU2Zvy3D7PjeNp8bM783MH3t/8L7rF0BMZdU0jLsOckTRm08XNHEcxwUV0Q0vmw5/U68Ljd8ROR7Wn3Xeh4rpLx/1aue6M3l8MjR0fEj544o5zD0jg0u2y0DvsRc9nNT/GNVMz82VhlPKYO+8E/cs9dgNDjjTNSSCKotd7CN5+ez+dvquPBj2J4KRHUMMkAyG3ctt82Qbu53kFGVkpvwPD9GFFLzcep1MG1SAEmqmuODYsvNzh6ALryaqKAtIHSg8HbdyPMWX6wrWjRygdLtwu+cNpv8Tb+oCkdJpNRy+xUwu/7jfxKzTs6hPfJbGNb4IdHqgpgc55iOVox/KpBgGgdHRnabH0knB8lnEdwtYeAuu07F6cZmeL+8Z+a5VdpxQQ32qmMkcGEvPk26g7Lp7bklGETm4lgUDsVjfNGyRs8D2tDgCBJEWnccrlhPkvuMUtJTvIh6OkqYIzLE6wYyRhvtNNsnsuLEbwSCFD9MtYrKgw/JY3NfFKJGSvte4BbYNF7gg2zWKm0WxHGZGy1bjGwDJz2gEA52ZGLeZt4q9VSSTseF77Fbks4ismPSfSyXGehpoKfMkOIyc4uAzsfdYL7/uUgoqKn0eg6aYiWskFmtH+FvJg4v4+QX5rccosDjdDRtEtScnuJvY/PcOXwD0VcPfUYjUX6008hy7vuaweQVsYa1hLEPz/AARbw/Vn2sqZ8Rqdo3kmlcA1o4cmjk0fmVeWhGi7MOg2cnSvsZX8zyHzRw8TxWpoJoWzD2bb7PqHDrP4MHwt7OZ4qWrN1N6l4I8FldeN3yERFkLgiIgCIiAIiIAiIgCIiAKv9MtW0dSXS0uzFMbkt9yQ+Hsu7Rl2KwEU4WSg8xIyipLDPNFXR1FDMA8SQyt9kgkHva4bx3KZYFrRlY3o6yMTs3bQsHW7Qeq70Vt4jh0VSwsmjbIw8HC/lyPaFAMa1TRPu6mldEfgf1m+B9oeq3LqKrVixFPw5R8pqFuBV2d/kzz3xZ+rPJY36rqaTOGuBB3XEbvVpCjmI6uq+G9ohKOcbgfQ2PouFPgVTEetTTNP7t/4BWxj/ZZ+GQb/ALok9GqRo31jLfux/mWX/kPDKfOorrjltxt+65Vb/I5jl0cx7NiT7rLco9F6uT9XSynt2CB5myk4S72fhHia7RJ83SrCcP8A6pT9LJ8Yb/PJn5BRfSLWBV1gLdroYj7kZIJHznbz4WC6OE6rKuWxmdHC3jntu8m5eqnuA6u6Ols4tM0g96SxAPY32R6qlzorefM/uTUbJfJFWaLaEVNeQWt6OHjK8GxHzRvcfTtVz6MaMQYezZibdx9uR2bn954DsGS7IFl9WW7qJWbdi2FaiERFnLAiIgCIiAIiIAiIgCIiAIiIAiIgCIiAIiIAiIgCIiAIiIAiIgCIiAIiIAiIgCIiAIiIAiIgCIiAIiIAiIgCIiAIiIAiIgCIiAIiIAiIgCIiA//Z"/>
-          <p:cNvSpPr>
-            <a:spLocks noChangeAspect="1" noChangeArrowheads="1"/>
-          </p:cNvSpPr>
-          <p:nvPr/>
-        </p:nvSpPr>
-        <p:spPr bwMode="auto">
+              <a:t>데이터</a:t>
+            </a:r>
+            <a:endParaRPr lang="ko-KR" altLang="en-US" dirty="0"/>
+          </a:p>
+        </p:txBody>
+      </p:sp>
+      <p:sp>
+        <p:nvSpPr>
+          <p:cNvPr id="3" name="내용 개체 틀 2"/>
+          <p:cNvSpPr>
+            <a:spLocks noGrp="1"/>
+          </p:cNvSpPr>
+          <p:nvPr>
+            <p:ph idx="1"/>
+          </p:nvPr>
+        </p:nvSpPr>
+        <p:spPr>
           <a:xfrm>
-            <a:off x="0" y="-144463"/>
-            <a:ext cx="304800" cy="304801"/>
+            <a:off x="457200" y="1600200"/>
+            <a:ext cx="8229600" cy="4997152"/>
           </a:xfrm>
-          <a:prstGeom prst="rect">
-            <a:avLst/>
-          </a:prstGeom>
-          <a:noFill/>
         </p:spPr>
         <p:txBody>
-          <a:bodyPr vert="horz" wrap="square" lIns="91440" tIns="45720" rIns="91440" bIns="45720" numCol="1" anchor="t" anchorCtr="0" compatLnSpc="1">
-            <a:prstTxWarp prst="textNoShape">
-              <a:avLst/>
-            </a:prstTxWarp>
+          <a:bodyPr>
+            <a:normAutofit fontScale="55000" lnSpcReduction="20000"/>
           </a:bodyPr>
           <a:lstStyle/>
           <a:p>
+            <a:r>
+              <a:rPr lang="en-US" altLang="ko-KR" b="1" dirty="0" smtClean="0"/>
+              <a:t>LIMIT_BAL</a:t>
+            </a:r>
+            <a:r>
+              <a:rPr lang="en-US" altLang="ko-KR" dirty="0"/>
+              <a:t>: Amount of given credit in NT dollars (includes individual and family/supplementary credit</a:t>
+            </a:r>
+          </a:p>
+          <a:p>
+            <a:r>
+              <a:rPr lang="en-US" altLang="ko-KR" b="1" dirty="0"/>
+              <a:t>SEX</a:t>
+            </a:r>
+            <a:r>
+              <a:rPr lang="en-US" altLang="ko-KR" dirty="0"/>
+              <a:t>: Gender (1=male, 2=female)</a:t>
+            </a:r>
+          </a:p>
+          <a:p>
+            <a:r>
+              <a:rPr lang="en-US" altLang="ko-KR" b="1" dirty="0"/>
+              <a:t>EDUCATION</a:t>
+            </a:r>
+            <a:r>
+              <a:rPr lang="en-US" altLang="ko-KR" dirty="0"/>
+              <a:t>: (1=graduate school, 2=university, 3=high school, 4=others, 5=unknown, 6=unknown)</a:t>
+            </a:r>
+          </a:p>
+          <a:p>
+            <a:r>
+              <a:rPr lang="en-US" altLang="ko-KR" b="1" dirty="0"/>
+              <a:t>MARRIAGE</a:t>
+            </a:r>
+            <a:r>
+              <a:rPr lang="en-US" altLang="ko-KR" dirty="0"/>
+              <a:t>: Marital status (1=married, 2=single, 3=others)</a:t>
+            </a:r>
+          </a:p>
+          <a:p>
+            <a:r>
+              <a:rPr lang="en-US" altLang="ko-KR" b="1" dirty="0"/>
+              <a:t>AGE</a:t>
+            </a:r>
+            <a:r>
+              <a:rPr lang="en-US" altLang="ko-KR" dirty="0"/>
+              <a:t>: Age in years</a:t>
+            </a:r>
+          </a:p>
+          <a:p>
+            <a:r>
+              <a:rPr lang="en-US" altLang="ko-KR" b="1" dirty="0"/>
+              <a:t>PAY_0</a:t>
+            </a:r>
+            <a:r>
+              <a:rPr lang="en-US" altLang="ko-KR" dirty="0"/>
+              <a:t>: Repayment status in September, 2005 (-1=pay duly, 1=payment delay for one month, 2=payment delay for two months, ... 8=payment delay for eight months, 9=payment delay for nine months and above)</a:t>
+            </a:r>
+          </a:p>
+          <a:p>
+            <a:r>
+              <a:rPr lang="en-US" altLang="ko-KR" b="1" dirty="0"/>
+              <a:t>PAY_2</a:t>
+            </a:r>
+            <a:r>
+              <a:rPr lang="en-US" altLang="ko-KR" dirty="0"/>
+              <a:t>: Repayment status in August, 2005 (scale same as above)</a:t>
+            </a:r>
+          </a:p>
+          <a:p>
+            <a:r>
+              <a:rPr lang="en-US" altLang="ko-KR" b="1" dirty="0"/>
+              <a:t>PAY_3</a:t>
+            </a:r>
+            <a:r>
+              <a:rPr lang="en-US" altLang="ko-KR" dirty="0"/>
+              <a:t>: Repayment status in July, 2005 (scale same as above)</a:t>
+            </a:r>
+          </a:p>
+          <a:p>
+            <a:r>
+              <a:rPr lang="en-US" altLang="ko-KR" b="1" dirty="0"/>
+              <a:t>PAY_4</a:t>
+            </a:r>
+            <a:r>
+              <a:rPr lang="en-US" altLang="ko-KR" dirty="0"/>
+              <a:t>: Repayment status in June, 2005 (scale same as above)</a:t>
+            </a:r>
+          </a:p>
+          <a:p>
+            <a:r>
+              <a:rPr lang="en-US" altLang="ko-KR" b="1" dirty="0"/>
+              <a:t>PAY_5</a:t>
+            </a:r>
+            <a:r>
+              <a:rPr lang="en-US" altLang="ko-KR" dirty="0"/>
+              <a:t>: Repayment status in May, 2005 (scale same as above)</a:t>
+            </a:r>
+          </a:p>
+          <a:p>
+            <a:r>
+              <a:rPr lang="en-US" altLang="ko-KR" b="1" dirty="0"/>
+              <a:t>PAY_6</a:t>
+            </a:r>
+            <a:r>
+              <a:rPr lang="en-US" altLang="ko-KR" dirty="0"/>
+              <a:t>: Repayment status in April, 2005 (scale same as above)</a:t>
+            </a:r>
+          </a:p>
+          <a:p>
+            <a:r>
+              <a:rPr lang="en-US" altLang="ko-KR" b="1" dirty="0"/>
+              <a:t>BILL_AMT1</a:t>
+            </a:r>
+            <a:r>
+              <a:rPr lang="en-US" altLang="ko-KR" dirty="0"/>
+              <a:t>: Amount of bill statement in September, 2005 (NT dollar)</a:t>
+            </a:r>
+          </a:p>
+          <a:p>
+            <a:r>
+              <a:rPr lang="en-US" altLang="ko-KR" b="1" dirty="0"/>
+              <a:t>BILL_AMT2</a:t>
+            </a:r>
+            <a:r>
+              <a:rPr lang="en-US" altLang="ko-KR" dirty="0"/>
+              <a:t>: Amount of bill statement in August, 2005 (NT dollar)</a:t>
+            </a:r>
+          </a:p>
+          <a:p>
+            <a:r>
+              <a:rPr lang="en-US" altLang="ko-KR" b="1" dirty="0"/>
+              <a:t>BILL_AMT3</a:t>
+            </a:r>
+            <a:r>
+              <a:rPr lang="en-US" altLang="ko-KR" dirty="0"/>
+              <a:t>: Amount of bill statement in July, 2005 (NT dollar)</a:t>
+            </a:r>
+          </a:p>
+          <a:p>
+            <a:r>
+              <a:rPr lang="en-US" altLang="ko-KR" b="1" dirty="0"/>
+              <a:t>BILL_AMT4</a:t>
+            </a:r>
+            <a:r>
+              <a:rPr lang="en-US" altLang="ko-KR" dirty="0"/>
+              <a:t>: Amount of bill statement in June, 2005 (NT dollar)</a:t>
+            </a:r>
+          </a:p>
+          <a:p>
+            <a:r>
+              <a:rPr lang="en-US" altLang="ko-KR" b="1" dirty="0"/>
+              <a:t>BILL_AMT5</a:t>
+            </a:r>
+            <a:r>
+              <a:rPr lang="en-US" altLang="ko-KR" dirty="0"/>
+              <a:t>: Amount of bill statement in May, 2005 (NT dollar)</a:t>
+            </a:r>
+          </a:p>
+          <a:p>
+            <a:r>
+              <a:rPr lang="en-US" altLang="ko-KR" b="1" dirty="0"/>
+              <a:t>BILL_AMT6</a:t>
+            </a:r>
+            <a:r>
+              <a:rPr lang="en-US" altLang="ko-KR" dirty="0"/>
+              <a:t>: Amount of bill statement in April, 2005 (NT dollar)</a:t>
+            </a:r>
+          </a:p>
+          <a:p>
+            <a:r>
+              <a:rPr lang="en-US" altLang="ko-KR" b="1" dirty="0"/>
+              <a:t>PAY_AMT1</a:t>
+            </a:r>
+            <a:r>
+              <a:rPr lang="en-US" altLang="ko-KR" dirty="0"/>
+              <a:t>: Amount of previous payment in September, 2005 (NT dollar)</a:t>
+            </a:r>
+          </a:p>
+          <a:p>
+            <a:r>
+              <a:rPr lang="en-US" altLang="ko-KR" b="1" dirty="0"/>
+              <a:t>PAY_AMT2</a:t>
+            </a:r>
+            <a:r>
+              <a:rPr lang="en-US" altLang="ko-KR" dirty="0"/>
+              <a:t>: Amount of previous payment in August, 2005 (NT dollar)</a:t>
+            </a:r>
+          </a:p>
+          <a:p>
+            <a:r>
+              <a:rPr lang="en-US" altLang="ko-KR" b="1" dirty="0"/>
+              <a:t>PAY_AMT3</a:t>
+            </a:r>
+            <a:r>
+              <a:rPr lang="en-US" altLang="ko-KR" dirty="0"/>
+              <a:t>: Amount of previous payment in July, 2005 (NT dollar)</a:t>
+            </a:r>
+          </a:p>
+          <a:p>
+            <a:r>
+              <a:rPr lang="en-US" altLang="ko-KR" b="1" dirty="0"/>
+              <a:t>PAY_AMT4</a:t>
+            </a:r>
+            <a:r>
+              <a:rPr lang="en-US" altLang="ko-KR" dirty="0"/>
+              <a:t>: Amount of previous payment in June, 2005 (NT dollar)</a:t>
+            </a:r>
+          </a:p>
+          <a:p>
+            <a:r>
+              <a:rPr lang="en-US" altLang="ko-KR" b="1" dirty="0"/>
+              <a:t>PAY_AMT5</a:t>
+            </a:r>
+            <a:r>
+              <a:rPr lang="en-US" altLang="ko-KR" dirty="0"/>
+              <a:t>: Amount of previous payment in May, 2005 (NT dollar)</a:t>
+            </a:r>
+          </a:p>
+          <a:p>
+            <a:r>
+              <a:rPr lang="en-US" altLang="ko-KR" b="1" dirty="0"/>
+              <a:t>PAY_AMT6</a:t>
+            </a:r>
+            <a:r>
+              <a:rPr lang="en-US" altLang="ko-KR" dirty="0"/>
+              <a:t>: Amount of previous payment in April, 2005 (NT dollar)</a:t>
+            </a:r>
+          </a:p>
+          <a:p>
+            <a:r>
+              <a:rPr lang="en-US" altLang="ko-KR" b="1" dirty="0" err="1"/>
+              <a:t>default.payment.next.month</a:t>
+            </a:r>
+            <a:r>
+              <a:rPr lang="en-US" altLang="ko-KR" dirty="0"/>
+              <a:t>: Default payment (1=yes, 0=no</a:t>
+            </a:r>
+            <a:r>
+              <a:rPr lang="en-US" altLang="ko-KR" dirty="0" smtClean="0"/>
+              <a:t>)</a:t>
+            </a:r>
+            <a:endParaRPr lang="ko-KR" altLang="en-US" dirty="0"/>
+          </a:p>
+        </p:txBody>
+      </p:sp>
+      <p:sp>
+        <p:nvSpPr>
+          <p:cNvPr id="4" name="슬라이드 번호 개체 틀 3"/>
+          <p:cNvSpPr>
+            <a:spLocks noGrp="1"/>
+          </p:cNvSpPr>
+          <p:nvPr>
+            <p:ph type="sldNum" sz="quarter" idx="12"/>
+          </p:nvPr>
+        </p:nvSpPr>
+        <p:spPr/>
+        <p:txBody>
+          <a:bodyPr/>
+          <a:lstStyle/>
+          <a:p>
+            <a:fld id="{4BEDD84E-25D4-4983-8AA1-2863C96F08D9}" type="slidenum">
+              <a:rPr lang="ko-KR" altLang="en-US" smtClean="0"/>
+              <a:pPr/>
+              <a:t>1</a:t>
+            </a:fld>
             <a:endParaRPr lang="ko-KR" altLang="en-US"/>
           </a:p>
         </p:txBody>
       </p:sp>
     </p:spTree>
+    <p:extLst>
+      <p:ext uri="{BB962C8B-B14F-4D97-AF65-F5344CB8AC3E}">
+        <p14:creationId xmlns:p14="http://schemas.microsoft.com/office/powerpoint/2010/main" val="2717693166"/>
+      </p:ext>
+    </p:extLst>
   </p:cSld>
   <p:clrMapOvr>
     <a:masterClrMapping/>
@@ -4188,17 +4211,6 @@
           <a:lstStyle/>
           <a:p>
             <a:r>
-              <a:rPr lang="en-US" altLang="ko-KR" sz="2800" dirty="0" smtClean="0">
-                <a:solidFill>
-                  <a:schemeClr val="tx1">
-                    <a:lumMod val="75000"/>
-                    <a:lumOff val="25000"/>
-                  </a:schemeClr>
-                </a:solidFill>
-              </a:rPr>
-              <a:t>“Default </a:t>
-            </a:r>
-            <a:r>
               <a:rPr lang="en-US" altLang="ko-KR" sz="2800" dirty="0">
                 <a:solidFill>
                   <a:schemeClr val="tx1">
@@ -4207,18 +4219,7 @@
                   </a:schemeClr>
                 </a:solidFill>
               </a:rPr>
-              <a:t>of </a:t>
-            </a:r>
-            <a:r>
-              <a:rPr lang="en-US" altLang="ko-KR" sz="2800" dirty="0" smtClean="0">
-                <a:solidFill>
-                  <a:schemeClr val="tx1">
-                    <a:lumMod val="75000"/>
-                    <a:lumOff val="25000"/>
-                  </a:schemeClr>
-                </a:solidFill>
-              </a:rPr>
-              <a:t>credit card clients” </a:t>
+              <a:t>“Default of credit card clients” </a:t>
             </a:r>
             <a:r>
               <a:rPr lang="ko-KR" altLang="en-US" sz="2800" dirty="0" smtClean="0">
@@ -4231,376 +4232,6 @@
               </a:rPr>
               <a:t>데이터</a:t>
             </a:r>
-            <a:endParaRPr lang="ko-KR" altLang="en-US" dirty="0"/>
-          </a:p>
-        </p:txBody>
-      </p:sp>
-      <p:sp>
-        <p:nvSpPr>
-          <p:cNvPr id="3" name="내용 개체 틀 2"/>
-          <p:cNvSpPr>
-            <a:spLocks noGrp="1"/>
-          </p:cNvSpPr>
-          <p:nvPr>
-            <p:ph idx="1"/>
-          </p:nvPr>
-        </p:nvSpPr>
-        <p:spPr>
-          <a:xfrm>
-            <a:off x="457200" y="1600200"/>
-            <a:ext cx="8229600" cy="4997152"/>
-          </a:xfrm>
-        </p:spPr>
-        <p:txBody>
-          <a:bodyPr>
-            <a:normAutofit fontScale="55000" lnSpcReduction="20000"/>
-          </a:bodyPr>
-          <a:lstStyle/>
-          <a:p>
-            <a:r>
-              <a:rPr lang="en-US" altLang="ko-KR" b="1" dirty="0" smtClean="0"/>
-              <a:t>LIMIT_BAL</a:t>
-            </a:r>
-            <a:r>
-              <a:rPr lang="en-US" altLang="ko-KR" dirty="0"/>
-              <a:t>: Amount of given credit in NT dollars (includes individual and family/supplementary credit</a:t>
-            </a:r>
-          </a:p>
-          <a:p>
-            <a:r>
-              <a:rPr lang="en-US" altLang="ko-KR" b="1" dirty="0"/>
-              <a:t>SEX</a:t>
-            </a:r>
-            <a:r>
-              <a:rPr lang="en-US" altLang="ko-KR" dirty="0"/>
-              <a:t>: Gender (1=male, 2=female)</a:t>
-            </a:r>
-          </a:p>
-          <a:p>
-            <a:r>
-              <a:rPr lang="en-US" altLang="ko-KR" b="1" dirty="0"/>
-              <a:t>EDUCATION</a:t>
-            </a:r>
-            <a:r>
-              <a:rPr lang="en-US" altLang="ko-KR" dirty="0"/>
-              <a:t>: (1=graduate school, 2=university, 3=high school, 4=others, 5=unknown, 6=unknown)</a:t>
-            </a:r>
-          </a:p>
-          <a:p>
-            <a:r>
-              <a:rPr lang="en-US" altLang="ko-KR" b="1" dirty="0"/>
-              <a:t>MARRIAGE</a:t>
-            </a:r>
-            <a:r>
-              <a:rPr lang="en-US" altLang="ko-KR" dirty="0"/>
-              <a:t>: Marital status (1=married, 2=single, 3=others)</a:t>
-            </a:r>
-          </a:p>
-          <a:p>
-            <a:r>
-              <a:rPr lang="en-US" altLang="ko-KR" b="1" dirty="0"/>
-              <a:t>AGE</a:t>
-            </a:r>
-            <a:r>
-              <a:rPr lang="en-US" altLang="ko-KR" dirty="0"/>
-              <a:t>: Age in years</a:t>
-            </a:r>
-          </a:p>
-          <a:p>
-            <a:r>
-              <a:rPr lang="en-US" altLang="ko-KR" b="1" dirty="0"/>
-              <a:t>PAY_0</a:t>
-            </a:r>
-            <a:r>
-              <a:rPr lang="en-US" altLang="ko-KR" dirty="0"/>
-              <a:t>: Repayment status in September, 2005 (-1=pay duly, 1=payment delay for one month, 2=payment delay for two months, ... 8=payment delay for eight months, 9=payment delay for nine months and above)</a:t>
-            </a:r>
-          </a:p>
-          <a:p>
-            <a:r>
-              <a:rPr lang="en-US" altLang="ko-KR" b="1" dirty="0"/>
-              <a:t>PAY_2</a:t>
-            </a:r>
-            <a:r>
-              <a:rPr lang="en-US" altLang="ko-KR" dirty="0"/>
-              <a:t>: Repayment status in August, 2005 (scale same as above)</a:t>
-            </a:r>
-          </a:p>
-          <a:p>
-            <a:r>
-              <a:rPr lang="en-US" altLang="ko-KR" b="1" dirty="0"/>
-              <a:t>PAY_3</a:t>
-            </a:r>
-            <a:r>
-              <a:rPr lang="en-US" altLang="ko-KR" dirty="0"/>
-              <a:t>: Repayment status in July, 2005 (scale same as above)</a:t>
-            </a:r>
-          </a:p>
-          <a:p>
-            <a:r>
-              <a:rPr lang="en-US" altLang="ko-KR" b="1" dirty="0"/>
-              <a:t>PAY_4</a:t>
-            </a:r>
-            <a:r>
-              <a:rPr lang="en-US" altLang="ko-KR" dirty="0"/>
-              <a:t>: Repayment status in June, 2005 (scale same as above)</a:t>
-            </a:r>
-          </a:p>
-          <a:p>
-            <a:r>
-              <a:rPr lang="en-US" altLang="ko-KR" b="1" dirty="0"/>
-              <a:t>PAY_5</a:t>
-            </a:r>
-            <a:r>
-              <a:rPr lang="en-US" altLang="ko-KR" dirty="0"/>
-              <a:t>: Repayment status in May, 2005 (scale same as above)</a:t>
-            </a:r>
-          </a:p>
-          <a:p>
-            <a:r>
-              <a:rPr lang="en-US" altLang="ko-KR" b="1" dirty="0"/>
-              <a:t>PAY_6</a:t>
-            </a:r>
-            <a:r>
-              <a:rPr lang="en-US" altLang="ko-KR" dirty="0"/>
-              <a:t>: Repayment status in April, 2005 (scale same as above)</a:t>
-            </a:r>
-          </a:p>
-          <a:p>
-            <a:r>
-              <a:rPr lang="en-US" altLang="ko-KR" b="1" dirty="0"/>
-              <a:t>BILL_AMT1</a:t>
-            </a:r>
-            <a:r>
-              <a:rPr lang="en-US" altLang="ko-KR" dirty="0"/>
-              <a:t>: Amount of bill statement in September, 2005 (NT dollar)</a:t>
-            </a:r>
-          </a:p>
-          <a:p>
-            <a:r>
-              <a:rPr lang="en-US" altLang="ko-KR" b="1" dirty="0"/>
-              <a:t>BILL_AMT2</a:t>
-            </a:r>
-            <a:r>
-              <a:rPr lang="en-US" altLang="ko-KR" dirty="0"/>
-              <a:t>: Amount of bill statement in August, 2005 (NT dollar)</a:t>
-            </a:r>
-          </a:p>
-          <a:p>
-            <a:r>
-              <a:rPr lang="en-US" altLang="ko-KR" b="1" dirty="0"/>
-              <a:t>BILL_AMT3</a:t>
-            </a:r>
-            <a:r>
-              <a:rPr lang="en-US" altLang="ko-KR" dirty="0"/>
-              <a:t>: Amount of bill statement in July, 2005 (NT dollar)</a:t>
-            </a:r>
-          </a:p>
-          <a:p>
-            <a:r>
-              <a:rPr lang="en-US" altLang="ko-KR" b="1" dirty="0"/>
-              <a:t>BILL_AMT4</a:t>
-            </a:r>
-            <a:r>
-              <a:rPr lang="en-US" altLang="ko-KR" dirty="0"/>
-              <a:t>: Amount of bill statement in June, 2005 (NT dollar)</a:t>
-            </a:r>
-          </a:p>
-          <a:p>
-            <a:r>
-              <a:rPr lang="en-US" altLang="ko-KR" b="1" dirty="0"/>
-              <a:t>BILL_AMT5</a:t>
-            </a:r>
-            <a:r>
-              <a:rPr lang="en-US" altLang="ko-KR" dirty="0"/>
-              <a:t>: Amount of bill statement in May, 2005 (NT dollar)</a:t>
-            </a:r>
-          </a:p>
-          <a:p>
-            <a:r>
-              <a:rPr lang="en-US" altLang="ko-KR" b="1" dirty="0"/>
-              <a:t>BILL_AMT6</a:t>
-            </a:r>
-            <a:r>
-              <a:rPr lang="en-US" altLang="ko-KR" dirty="0"/>
-              <a:t>: Amount of bill statement in April, 2005 (NT dollar)</a:t>
-            </a:r>
-          </a:p>
-          <a:p>
-            <a:r>
-              <a:rPr lang="en-US" altLang="ko-KR" b="1" dirty="0"/>
-              <a:t>PAY_AMT1</a:t>
-            </a:r>
-            <a:r>
-              <a:rPr lang="en-US" altLang="ko-KR" dirty="0"/>
-              <a:t>: Amount of previous payment in September, 2005 (NT dollar)</a:t>
-            </a:r>
-          </a:p>
-          <a:p>
-            <a:r>
-              <a:rPr lang="en-US" altLang="ko-KR" b="1" dirty="0"/>
-              <a:t>PAY_AMT2</a:t>
-            </a:r>
-            <a:r>
-              <a:rPr lang="en-US" altLang="ko-KR" dirty="0"/>
-              <a:t>: Amount of previous payment in August, 2005 (NT dollar)</a:t>
-            </a:r>
-          </a:p>
-          <a:p>
-            <a:r>
-              <a:rPr lang="en-US" altLang="ko-KR" b="1" dirty="0"/>
-              <a:t>PAY_AMT3</a:t>
-            </a:r>
-            <a:r>
-              <a:rPr lang="en-US" altLang="ko-KR" dirty="0"/>
-              <a:t>: Amount of previous payment in July, 2005 (NT dollar)</a:t>
-            </a:r>
-          </a:p>
-          <a:p>
-            <a:r>
-              <a:rPr lang="en-US" altLang="ko-KR" b="1" dirty="0"/>
-              <a:t>PAY_AMT4</a:t>
-            </a:r>
-            <a:r>
-              <a:rPr lang="en-US" altLang="ko-KR" dirty="0"/>
-              <a:t>: Amount of previous payment in June, 2005 (NT dollar)</a:t>
-            </a:r>
-          </a:p>
-          <a:p>
-            <a:r>
-              <a:rPr lang="en-US" altLang="ko-KR" b="1" dirty="0"/>
-              <a:t>PAY_AMT5</a:t>
-            </a:r>
-            <a:r>
-              <a:rPr lang="en-US" altLang="ko-KR" dirty="0"/>
-              <a:t>: Amount of previous payment in May, 2005 (NT dollar)</a:t>
-            </a:r>
-          </a:p>
-          <a:p>
-            <a:r>
-              <a:rPr lang="en-US" altLang="ko-KR" b="1" dirty="0"/>
-              <a:t>PAY_AMT6</a:t>
-            </a:r>
-            <a:r>
-              <a:rPr lang="en-US" altLang="ko-KR" dirty="0"/>
-              <a:t>: Amount of previous payment in April, 2005 (NT dollar)</a:t>
-            </a:r>
-          </a:p>
-          <a:p>
-            <a:r>
-              <a:rPr lang="en-US" altLang="ko-KR" b="1" dirty="0" err="1"/>
-              <a:t>default.payment.next.month</a:t>
-            </a:r>
-            <a:r>
-              <a:rPr lang="en-US" altLang="ko-KR" dirty="0"/>
-              <a:t>: Default payment (1=yes, 0=no</a:t>
-            </a:r>
-            <a:r>
-              <a:rPr lang="en-US" altLang="ko-KR" dirty="0" smtClean="0"/>
-              <a:t>)</a:t>
-            </a:r>
-            <a:endParaRPr lang="ko-KR" altLang="en-US" dirty="0"/>
-          </a:p>
-        </p:txBody>
-      </p:sp>
-      <p:sp>
-        <p:nvSpPr>
-          <p:cNvPr id="4" name="슬라이드 번호 개체 틀 3"/>
-          <p:cNvSpPr>
-            <a:spLocks noGrp="1"/>
-          </p:cNvSpPr>
-          <p:nvPr>
-            <p:ph type="sldNum" sz="quarter" idx="12"/>
-          </p:nvPr>
-        </p:nvSpPr>
-        <p:spPr/>
-        <p:txBody>
-          <a:bodyPr/>
-          <a:lstStyle/>
-          <a:p>
-            <a:fld id="{4BEDD84E-25D4-4983-8AA1-2863C96F08D9}" type="slidenum">
-              <a:rPr lang="ko-KR" altLang="en-US" smtClean="0"/>
-              <a:pPr/>
-              <a:t>2</a:t>
-            </a:fld>
-            <a:endParaRPr lang="ko-KR" altLang="en-US"/>
-          </a:p>
-        </p:txBody>
-      </p:sp>
-    </p:spTree>
-    <p:extLst>
-      <p:ext uri="{BB962C8B-B14F-4D97-AF65-F5344CB8AC3E}">
-        <p14:creationId xmlns:p14="http://schemas.microsoft.com/office/powerpoint/2010/main" val="2717693166"/>
-      </p:ext>
-    </p:extLst>
-  </p:cSld>
-  <p:clrMapOvr>
-    <a:masterClrMapping/>
-  </p:clrMapOvr>
-  <p:timing>
-    <p:tnLst>
-      <p:par>
-        <p:cTn id="1" dur="indefinite" restart="never" nodeType="tmRoot"/>
-      </p:par>
-    </p:tnLst>
-  </p:timing>
-</p:sld>
-</file>
-
-<file path=ppt/slides/slide3.xml><?xml version="1.0" encoding="utf-8"?>
-<p:sld xmlns:a="http://schemas.openxmlformats.org/drawingml/2006/main" xmlns:r="http://schemas.openxmlformats.org/officeDocument/2006/relationships" xmlns:p="http://schemas.openxmlformats.org/presentationml/2006/main">
-  <p:cSld>
-    <p:spTree>
-      <p:nvGrpSpPr>
-        <p:cNvPr id="1" name=""/>
-        <p:cNvGrpSpPr/>
-        <p:nvPr/>
-      </p:nvGrpSpPr>
-      <p:grpSpPr>
-        <a:xfrm>
-          <a:off x="0" y="0"/>
-          <a:ext cx="0" cy="0"/>
-          <a:chOff x="0" y="0"/>
-          <a:chExt cx="0" cy="0"/>
-        </a:xfrm>
-      </p:grpSpPr>
-      <p:sp>
-        <p:nvSpPr>
-          <p:cNvPr id="2" name="제목 1"/>
-          <p:cNvSpPr>
-            <a:spLocks noGrp="1"/>
-          </p:cNvSpPr>
-          <p:nvPr>
-            <p:ph type="title"/>
-          </p:nvPr>
-        </p:nvSpPr>
-        <p:spPr/>
-        <p:txBody>
-          <a:bodyPr/>
-          <a:lstStyle/>
-          <a:p>
-            <a:r>
-              <a:rPr lang="en-US" altLang="ko-KR" sz="2800" dirty="0">
-                <a:solidFill>
-                  <a:schemeClr val="tx1">
-                    <a:lumMod val="75000"/>
-                    <a:lumOff val="25000"/>
-                  </a:schemeClr>
-                </a:solidFill>
-              </a:rPr>
-              <a:t>“Default of credit card clients” </a:t>
-            </a:r>
-            <a:r>
-              <a:rPr lang="ko-KR" altLang="en-US" sz="2800" dirty="0" smtClean="0">
-                <a:solidFill>
-                  <a:schemeClr val="tx1">
-                    <a:lumMod val="75000"/>
-                    <a:lumOff val="25000"/>
-                  </a:schemeClr>
-                </a:solidFill>
-              </a:rPr>
-              <a:t>데이터</a:t>
-            </a:r>
             <a:r>
               <a:rPr lang="en-US" altLang="ko-KR" sz="2800" dirty="0" smtClean="0">
                 <a:solidFill>
@@ -4656,7 +4287,7 @@
             <a:fld id="{4BEDD84E-25D4-4983-8AA1-2863C96F08D9}" type="slidenum">
               <a:rPr lang="ko-KR" altLang="en-US" smtClean="0"/>
               <a:pPr/>
-              <a:t>3</a:t>
+              <a:t>2</a:t>
             </a:fld>
             <a:endParaRPr lang="ko-KR" altLang="en-US"/>
           </a:p>
@@ -4748,6 +4379,243 @@
 </p:sld>
 </file>
 
+<file path=ppt/slides/slide3.xml><?xml version="1.0" encoding="utf-8"?>
+<p:sld xmlns:a="http://schemas.openxmlformats.org/drawingml/2006/main" xmlns:r="http://schemas.openxmlformats.org/officeDocument/2006/relationships" xmlns:p="http://schemas.openxmlformats.org/presentationml/2006/main">
+  <p:cSld>
+    <p:spTree>
+      <p:nvGrpSpPr>
+        <p:cNvPr id="1" name=""/>
+        <p:cNvGrpSpPr/>
+        <p:nvPr/>
+      </p:nvGrpSpPr>
+      <p:grpSpPr>
+        <a:xfrm>
+          <a:off x="0" y="0"/>
+          <a:ext cx="0" cy="0"/>
+          <a:chOff x="0" y="0"/>
+          <a:chExt cx="0" cy="0"/>
+        </a:xfrm>
+      </p:grpSpPr>
+      <p:sp>
+        <p:nvSpPr>
+          <p:cNvPr id="2" name="제목 1"/>
+          <p:cNvSpPr>
+            <a:spLocks noGrp="1"/>
+          </p:cNvSpPr>
+          <p:nvPr>
+            <p:ph type="title"/>
+          </p:nvPr>
+        </p:nvSpPr>
+        <p:spPr/>
+        <p:txBody>
+          <a:bodyPr/>
+          <a:lstStyle/>
+          <a:p>
+            <a:r>
+              <a:rPr lang="ko-KR" altLang="en-US" sz="2800" dirty="0" smtClean="0"/>
+              <a:t>프로젝트 개요</a:t>
+            </a:r>
+            <a:endParaRPr lang="ko-KR" altLang="en-US" sz="2800" dirty="0"/>
+          </a:p>
+        </p:txBody>
+      </p:sp>
+      <p:sp>
+        <p:nvSpPr>
+          <p:cNvPr id="3" name="내용 개체 틀 2"/>
+          <p:cNvSpPr>
+            <a:spLocks noGrp="1"/>
+          </p:cNvSpPr>
+          <p:nvPr>
+            <p:ph idx="1"/>
+          </p:nvPr>
+        </p:nvSpPr>
+        <p:spPr/>
+        <p:txBody>
+          <a:bodyPr/>
+          <a:lstStyle/>
+          <a:p>
+            <a:r>
+              <a:rPr lang="ko-KR" altLang="en-US" dirty="0" smtClean="0"/>
+              <a:t>데이터 전처리</a:t>
+            </a:r>
+            <a:endParaRPr lang="en-US" altLang="ko-KR" dirty="0" smtClean="0"/>
+          </a:p>
+          <a:p>
+            <a:pPr lvl="1"/>
+            <a:r>
+              <a:rPr lang="en-US" altLang="ko-KR" dirty="0" smtClean="0"/>
+              <a:t>Predictor </a:t>
+            </a:r>
+            <a:r>
+              <a:rPr lang="ko-KR" altLang="en-US" dirty="0" err="1" smtClean="0"/>
+              <a:t>데이터형</a:t>
+            </a:r>
+            <a:r>
+              <a:rPr lang="en-US" altLang="ko-KR" dirty="0" smtClean="0"/>
+              <a:t> </a:t>
+            </a:r>
+            <a:r>
+              <a:rPr lang="ko-KR" altLang="en-US" dirty="0" smtClean="0"/>
+              <a:t>변경</a:t>
+            </a:r>
+            <a:endParaRPr lang="en-US" altLang="ko-KR" dirty="0" smtClean="0"/>
+          </a:p>
+          <a:p>
+            <a:pPr lvl="2"/>
+            <a:r>
+              <a:rPr lang="en-US" altLang="ko-KR" dirty="0"/>
+              <a:t>SEX, EDUCATION, </a:t>
+            </a:r>
+            <a:r>
+              <a:rPr lang="en-US" altLang="ko-KR" dirty="0" smtClean="0"/>
+              <a:t>MARRIAGE: factor</a:t>
+            </a:r>
+          </a:p>
+          <a:p>
+            <a:pPr lvl="2"/>
+            <a:r>
+              <a:rPr lang="ko-KR" altLang="en-US" dirty="0" smtClean="0"/>
+              <a:t>나머지</a:t>
+            </a:r>
+            <a:r>
+              <a:rPr lang="en-US" altLang="ko-KR" dirty="0" smtClean="0"/>
+              <a:t>: numeric</a:t>
+            </a:r>
+          </a:p>
+          <a:p>
+            <a:pPr lvl="1"/>
+            <a:r>
+              <a:rPr lang="en-US" altLang="ko-KR" dirty="0" smtClean="0"/>
+              <a:t>Missing value </a:t>
+            </a:r>
+            <a:r>
+              <a:rPr lang="ko-KR" altLang="en-US" dirty="0" smtClean="0"/>
+              <a:t>처리</a:t>
+            </a:r>
+            <a:endParaRPr lang="en-US" altLang="ko-KR" dirty="0" smtClean="0"/>
+          </a:p>
+          <a:p>
+            <a:pPr lvl="2"/>
+            <a:r>
+              <a:rPr lang="en-US" altLang="ko-KR" dirty="0" smtClean="0"/>
+              <a:t>EDUCATION </a:t>
+            </a:r>
+            <a:r>
+              <a:rPr lang="ko-KR" altLang="en-US" dirty="0" smtClean="0"/>
+              <a:t>및</a:t>
+            </a:r>
+            <a:r>
+              <a:rPr lang="en-US" altLang="ko-KR" dirty="0" smtClean="0"/>
+              <a:t> MARRIAGE</a:t>
+            </a:r>
+          </a:p>
+          <a:p>
+            <a:pPr lvl="3"/>
+            <a:r>
+              <a:rPr lang="en-US" altLang="ko-KR" dirty="0"/>
+              <a:t>0</a:t>
+            </a:r>
+            <a:endParaRPr lang="en-US" altLang="ko-KR" dirty="0" smtClean="0"/>
+          </a:p>
+          <a:p>
+            <a:pPr lvl="2"/>
+            <a:r>
+              <a:rPr lang="en-US" altLang="ko-KR" dirty="0" smtClean="0"/>
+              <a:t>PAY_0, 2, 3, 4, 5, 6</a:t>
+            </a:r>
+          </a:p>
+          <a:p>
+            <a:pPr lvl="3"/>
+            <a:r>
+              <a:rPr lang="en-US" altLang="ko-KR" dirty="0" smtClean="0"/>
+              <a:t>0, median, mean</a:t>
+            </a:r>
+          </a:p>
+          <a:p>
+            <a:r>
+              <a:rPr lang="ko-KR" altLang="en-US" dirty="0" smtClean="0"/>
+              <a:t>다양한 </a:t>
+            </a:r>
+            <a:r>
+              <a:rPr lang="en-US" altLang="ko-KR" dirty="0"/>
+              <a:t>c</a:t>
+            </a:r>
+            <a:r>
+              <a:rPr lang="en-US" altLang="ko-KR" dirty="0" smtClean="0"/>
+              <a:t>lassification model </a:t>
+            </a:r>
+            <a:r>
+              <a:rPr lang="ko-KR" altLang="en-US" dirty="0" smtClean="0"/>
+              <a:t>성능</a:t>
+            </a:r>
+            <a:r>
+              <a:rPr lang="en-US" altLang="ko-KR" dirty="0" smtClean="0"/>
+              <a:t> </a:t>
+            </a:r>
+            <a:r>
+              <a:rPr lang="ko-KR" altLang="en-US" dirty="0" smtClean="0"/>
+              <a:t>비교</a:t>
+            </a:r>
+            <a:endParaRPr lang="en-US" altLang="ko-KR" dirty="0" smtClean="0"/>
+          </a:p>
+          <a:p>
+            <a:r>
+              <a:rPr lang="en-US" altLang="ko-KR" dirty="0" smtClean="0"/>
+              <a:t>Classification</a:t>
+            </a:r>
+            <a:r>
+              <a:rPr lang="ko-KR" altLang="en-US" dirty="0" smtClean="0"/>
+              <a:t>에 영향을 주는 </a:t>
+            </a:r>
+            <a:r>
+              <a:rPr lang="en-US" altLang="ko-KR" dirty="0" smtClean="0"/>
+              <a:t>predictor </a:t>
+            </a:r>
+            <a:r>
+              <a:rPr lang="ko-KR" altLang="en-US" dirty="0" smtClean="0"/>
+              <a:t>선정</a:t>
+            </a:r>
+            <a:endParaRPr lang="en-US" altLang="ko-KR" dirty="0" smtClean="0"/>
+          </a:p>
+        </p:txBody>
+      </p:sp>
+      <p:sp>
+        <p:nvSpPr>
+          <p:cNvPr id="4" name="슬라이드 번호 개체 틀 3"/>
+          <p:cNvSpPr>
+            <a:spLocks noGrp="1"/>
+          </p:cNvSpPr>
+          <p:nvPr>
+            <p:ph type="sldNum" sz="quarter" idx="12"/>
+          </p:nvPr>
+        </p:nvSpPr>
+        <p:spPr/>
+        <p:txBody>
+          <a:bodyPr/>
+          <a:lstStyle/>
+          <a:p>
+            <a:fld id="{4BEDD84E-25D4-4983-8AA1-2863C96F08D9}" type="slidenum">
+              <a:rPr lang="ko-KR" altLang="en-US" smtClean="0"/>
+              <a:pPr/>
+              <a:t>3</a:t>
+            </a:fld>
+            <a:endParaRPr lang="ko-KR" altLang="en-US"/>
+          </a:p>
+        </p:txBody>
+      </p:sp>
+    </p:spTree>
+    <p:extLst>
+      <p:ext uri="{BB962C8B-B14F-4D97-AF65-F5344CB8AC3E}">
+        <p14:creationId xmlns:p14="http://schemas.microsoft.com/office/powerpoint/2010/main" val="100074847"/>
+      </p:ext>
+    </p:extLst>
+  </p:cSld>
+  <p:clrMapOvr>
+    <a:masterClrMapping/>
+  </p:clrMapOvr>
+</p:sld>
+</file>
+
 <file path=ppt/slides/slide4.xml><?xml version="1.0" encoding="utf-8"?>
 <p:sld xmlns:a="http://schemas.openxmlformats.org/drawingml/2006/main" xmlns:r="http://schemas.openxmlformats.org/officeDocument/2006/relationships" xmlns:p="http://schemas.openxmlformats.org/presentationml/2006/main">
   <p:cSld>
@@ -4782,7 +4650,7 @@
           <a:p>
             <a:r>
               <a:rPr lang="ko-KR" altLang="en-US" sz="2800" dirty="0" smtClean="0"/>
-              <a:t>프로젝트 개요</a:t>
+              <a:t>데이터 전처리</a:t>
             </a:r>
             <a:endParaRPr lang="ko-KR" altLang="en-US" sz="2800" dirty="0"/>
           </a:p>
@@ -4804,67 +4672,13 @@
           <a:lstStyle/>
           <a:p>
             <a:r>
-              <a:rPr lang="ko-KR" altLang="en-US" dirty="0" smtClean="0"/>
-              <a:t>데이터 전처리</a:t>
-            </a:r>
-            <a:endParaRPr lang="en-US" altLang="ko-KR" dirty="0" smtClean="0"/>
-          </a:p>
-          <a:p>
-            <a:pPr lvl="1"/>
-            <a:r>
               <a:rPr lang="en-US" altLang="ko-KR" dirty="0" smtClean="0"/>
-              <a:t>Predictor </a:t>
-            </a:r>
-            <a:r>
-              <a:rPr lang="ko-KR" altLang="en-US" dirty="0" err="1" smtClean="0"/>
-              <a:t>데이터형</a:t>
-            </a:r>
-            <a:r>
-              <a:rPr lang="en-US" altLang="ko-KR" dirty="0" smtClean="0"/>
-              <a:t> </a:t>
-            </a:r>
-            <a:r>
-              <a:rPr lang="ko-KR" altLang="en-US" dirty="0" smtClean="0"/>
-              <a:t>변경</a:t>
-            </a:r>
-            <a:endParaRPr lang="en-US" altLang="ko-KR" dirty="0" smtClean="0"/>
-          </a:p>
-          <a:p>
-            <a:pPr lvl="2"/>
+              <a:t>SEX</a:t>
+            </a:r>
             <a:r>
               <a:rPr lang="en-US" altLang="ko-KR" dirty="0"/>
-              <a:t>SEX, EDUCATION, </a:t>
-            </a:r>
-            <a:r>
-              <a:rPr lang="en-US" altLang="ko-KR" dirty="0" smtClean="0"/>
-              <a:t>MARRIAGE: factor</a:t>
-            </a:r>
-          </a:p>
-          <a:p>
-            <a:pPr lvl="2"/>
-            <a:r>
-              <a:rPr lang="ko-KR" altLang="en-US" dirty="0" smtClean="0"/>
-              <a:t>나머지</a:t>
-            </a:r>
-            <a:r>
-              <a:rPr lang="en-US" altLang="ko-KR" dirty="0" smtClean="0"/>
-              <a:t>: numeric</a:t>
-            </a:r>
-          </a:p>
-          <a:p>
-            <a:pPr lvl="1"/>
-            <a:r>
-              <a:rPr lang="en-US" altLang="ko-KR" dirty="0" smtClean="0"/>
-              <a:t>Missing value </a:t>
-            </a:r>
-            <a:r>
-              <a:rPr lang="ko-KR" altLang="en-US" dirty="0" smtClean="0"/>
-              <a:t>처리</a:t>
-            </a:r>
-            <a:endParaRPr lang="en-US" altLang="ko-KR" dirty="0" smtClean="0"/>
-          </a:p>
-          <a:p>
-            <a:pPr lvl="2"/>
+              <a:t>, </a:t>
+            </a:r>
             <a:r>
               <a:rPr lang="en-US" altLang="ko-KR" dirty="0" smtClean="0"/>
               <a:t>EDUCATION </a:t>
@@ -4875,80 +4689,9 @@
             </a:r>
             <a:r>
               <a:rPr lang="en-US" altLang="ko-KR" dirty="0" smtClean="0"/>
-              <a:t> </a:t>
-            </a:r>
-            <a:r>
-              <a:rPr lang="en-US" altLang="ko-KR" dirty="0" smtClean="0"/>
-              <a:t>MARRIAGE</a:t>
-            </a:r>
-          </a:p>
-          <a:p>
-            <a:pPr lvl="3"/>
-            <a:r>
-              <a:rPr lang="en-US" altLang="ko-KR" dirty="0"/>
-              <a:t>0</a:t>
-            </a:r>
-            <a:endParaRPr lang="en-US" altLang="ko-KR" dirty="0" smtClean="0"/>
-          </a:p>
-          <a:p>
-            <a:pPr lvl="2"/>
-            <a:r>
-              <a:rPr lang="en-US" altLang="ko-KR" dirty="0" smtClean="0"/>
-              <a:t>PAY_0, 2, 3, 4, 5, 6</a:t>
-            </a:r>
-          </a:p>
-          <a:p>
-            <a:pPr lvl="3"/>
-            <a:r>
-              <a:rPr lang="en-US" altLang="ko-KR" dirty="0" smtClean="0"/>
-              <a:t>0, median, mean</a:t>
-            </a:r>
-          </a:p>
-          <a:p>
-            <a:r>
-              <a:rPr lang="ko-KR" altLang="en-US" dirty="0" smtClean="0"/>
-              <a:t>다양한 </a:t>
-            </a:r>
-            <a:r>
-              <a:rPr lang="en-US" altLang="ko-KR" dirty="0"/>
-              <a:t>c</a:t>
-            </a:r>
-            <a:r>
-              <a:rPr lang="en-US" altLang="ko-KR" dirty="0" smtClean="0"/>
-              <a:t>lassification model </a:t>
-            </a:r>
-            <a:r>
-              <a:rPr lang="ko-KR" altLang="en-US" dirty="0" smtClean="0"/>
-              <a:t>성능</a:t>
-            </a:r>
-            <a:r>
-              <a:rPr lang="en-US" altLang="ko-KR" dirty="0" smtClean="0"/>
-              <a:t> </a:t>
-            </a:r>
-            <a:r>
-              <a:rPr lang="ko-KR" altLang="en-US" dirty="0" smtClean="0"/>
-              <a:t>비교</a:t>
-            </a:r>
-            <a:endParaRPr lang="en-US" altLang="ko-KR" dirty="0" smtClean="0"/>
-          </a:p>
-          <a:p>
-            <a:r>
-              <a:rPr lang="en-US" altLang="ko-KR" dirty="0" smtClean="0"/>
-              <a:t>Classification</a:t>
-            </a:r>
-            <a:r>
-              <a:rPr lang="ko-KR" altLang="en-US" dirty="0" smtClean="0"/>
-              <a:t>에 영향을 주는 </a:t>
-            </a:r>
-            <a:r>
-              <a:rPr lang="en-US" altLang="ko-KR" dirty="0" smtClean="0"/>
-              <a:t>predictor </a:t>
-            </a:r>
-            <a:r>
-              <a:rPr lang="ko-KR" altLang="en-US" dirty="0" smtClean="0"/>
-              <a:t>선정</a:t>
-            </a:r>
-            <a:endParaRPr lang="en-US" altLang="ko-KR" dirty="0" smtClean="0"/>
+              <a:t> MARRIAGE</a:t>
+            </a:r>
+            <a:endParaRPr lang="en-US" altLang="ko-KR" dirty="0"/>
           </a:p>
         </p:txBody>
       </p:sp>
@@ -4971,122 +4714,6 @@
               <a:rPr lang="ko-KR" altLang="en-US" smtClean="0"/>
               <a:pPr/>
               <a:t>4</a:t>
-            </a:fld>
-            <a:endParaRPr lang="ko-KR" altLang="en-US"/>
-          </a:p>
-        </p:txBody>
-      </p:sp>
-    </p:spTree>
-    <p:extLst>
-      <p:ext uri="{BB962C8B-B14F-4D97-AF65-F5344CB8AC3E}">
-        <p14:creationId xmlns:p14="http://schemas.microsoft.com/office/powerpoint/2010/main" val="100074847"/>
-      </p:ext>
-    </p:extLst>
-  </p:cSld>
-  <p:clrMapOvr>
-    <a:masterClrMapping/>
-  </p:clrMapOvr>
-</p:sld>
-</file>
-
-<file path=ppt/slides/slide5.xml><?xml version="1.0" encoding="utf-8"?>
-<p:sld xmlns:a="http://schemas.openxmlformats.org/drawingml/2006/main" xmlns:r="http://schemas.openxmlformats.org/officeDocument/2006/relationships" xmlns:p="http://schemas.openxmlformats.org/presentationml/2006/main">
-  <p:cSld>
-    <p:spTree>
-      <p:nvGrpSpPr>
-        <p:cNvPr id="1" name=""/>
-        <p:cNvGrpSpPr/>
-        <p:nvPr/>
-      </p:nvGrpSpPr>
-      <p:grpSpPr>
-        <a:xfrm>
-          <a:off x="0" y="0"/>
-          <a:ext cx="0" cy="0"/>
-          <a:chOff x="0" y="0"/>
-          <a:chExt cx="0" cy="0"/>
-        </a:xfrm>
-      </p:grpSpPr>
-      <p:sp>
-        <p:nvSpPr>
-          <p:cNvPr id="2" name="제목 1"/>
-          <p:cNvSpPr>
-            <a:spLocks noGrp="1"/>
-          </p:cNvSpPr>
-          <p:nvPr>
-            <p:ph type="title"/>
-          </p:nvPr>
-        </p:nvSpPr>
-        <p:spPr/>
-        <p:txBody>
-          <a:bodyPr/>
-          <a:lstStyle/>
-          <a:p>
-            <a:r>
-              <a:rPr lang="ko-KR" altLang="en-US" sz="2800" dirty="0" smtClean="0"/>
-              <a:t>데이터 전처리</a:t>
-            </a:r>
-            <a:endParaRPr lang="ko-KR" altLang="en-US" sz="2800" dirty="0"/>
-          </a:p>
-        </p:txBody>
-      </p:sp>
-      <p:sp>
-        <p:nvSpPr>
-          <p:cNvPr id="3" name="내용 개체 틀 2"/>
-          <p:cNvSpPr>
-            <a:spLocks noGrp="1"/>
-          </p:cNvSpPr>
-          <p:nvPr>
-            <p:ph idx="1"/>
-          </p:nvPr>
-        </p:nvSpPr>
-        <p:spPr/>
-        <p:txBody>
-          <a:bodyPr/>
-          <a:lstStyle/>
-          <a:p>
-            <a:r>
-              <a:rPr lang="en-US" altLang="ko-KR" dirty="0" smtClean="0"/>
-              <a:t>SEX</a:t>
-            </a:r>
-            <a:r>
-              <a:rPr lang="en-US" altLang="ko-KR" dirty="0"/>
-              <a:t>, </a:t>
-            </a:r>
-            <a:r>
-              <a:rPr lang="en-US" altLang="ko-KR" dirty="0" smtClean="0"/>
-              <a:t>EDUCATION </a:t>
-            </a:r>
-            <a:r>
-              <a:rPr lang="ko-KR" altLang="en-US" dirty="0" smtClean="0"/>
-              <a:t>및</a:t>
-            </a:r>
-            <a:r>
-              <a:rPr lang="en-US" altLang="ko-KR" dirty="0" smtClean="0"/>
-              <a:t> MARRIAGE</a:t>
-            </a:r>
-            <a:endParaRPr lang="en-US" altLang="ko-KR" dirty="0"/>
-          </a:p>
-        </p:txBody>
-      </p:sp>
-      <p:sp>
-        <p:nvSpPr>
-          <p:cNvPr id="4" name="슬라이드 번호 개체 틀 3"/>
-          <p:cNvSpPr>
-            <a:spLocks noGrp="1"/>
-          </p:cNvSpPr>
-          <p:nvPr>
-            <p:ph type="sldNum" sz="quarter" idx="12"/>
-          </p:nvPr>
-        </p:nvSpPr>
-        <p:spPr/>
-        <p:txBody>
-          <a:bodyPr/>
-          <a:lstStyle/>
-          <a:p>
-            <a:fld id="{4BEDD84E-25D4-4983-8AA1-2863C96F08D9}" type="slidenum">
-              <a:rPr lang="ko-KR" altLang="en-US" smtClean="0"/>
-              <a:pPr/>
-              <a:t>5</a:t>
             </a:fld>
             <a:endParaRPr lang="ko-KR" altLang="en-US" dirty="0"/>
           </a:p>
@@ -5136,7 +4763,7 @@
 </p:sld>
 </file>
 
-<file path=ppt/slides/slide6.xml><?xml version="1.0" encoding="utf-8"?>
+<file path=ppt/slides/slide5.xml><?xml version="1.0" encoding="utf-8"?>
 <p:sld xmlns:a="http://schemas.openxmlformats.org/drawingml/2006/main" xmlns:r="http://schemas.openxmlformats.org/officeDocument/2006/relationships" xmlns:p="http://schemas.openxmlformats.org/presentationml/2006/main">
   <p:cSld>
     <p:spTree>
@@ -5297,7 +4924,7 @@
             <a:fld id="{4BEDD84E-25D4-4983-8AA1-2863C96F08D9}" type="slidenum">
               <a:rPr lang="ko-KR" altLang="en-US" smtClean="0"/>
               <a:pPr/>
-              <a:t>6</a:t>
+              <a:t>5</a:t>
             </a:fld>
             <a:endParaRPr lang="ko-KR" altLang="en-US"/>
           </a:p>
@@ -5618,7 +5245,7 @@
 </p:sld>
 </file>
 
-<file path=ppt/slides/slide7.xml><?xml version="1.0" encoding="utf-8"?>
+<file path=ppt/slides/slide6.xml><?xml version="1.0" encoding="utf-8"?>
 <p:sld xmlns:a="http://schemas.openxmlformats.org/drawingml/2006/main" xmlns:r="http://schemas.openxmlformats.org/officeDocument/2006/relationships" xmlns:p="http://schemas.openxmlformats.org/presentationml/2006/main">
   <p:cSld>
     <p:spTree>
@@ -5688,7 +5315,7 @@
             <a:fld id="{4BEDD84E-25D4-4983-8AA1-2863C96F08D9}" type="slidenum">
               <a:rPr lang="ko-KR" altLang="en-US" smtClean="0"/>
               <a:pPr/>
-              <a:t>7</a:t>
+              <a:t>6</a:t>
             </a:fld>
             <a:endParaRPr lang="ko-KR" altLang="en-US"/>
           </a:p>
@@ -5811,11 +5438,7 @@
             </a:r>
             <a:r>
               <a:rPr lang="ko-KR" altLang="en-US" dirty="0" smtClean="0"/>
-              <a:t> </a:t>
-            </a:r>
-            <a:r>
-              <a:rPr lang="ko-KR" altLang="en-US" dirty="0" smtClean="0"/>
-              <a:t>처리 전</a:t>
+              <a:t> 처리 전</a:t>
             </a:r>
             <a:endParaRPr lang="ko-KR" altLang="en-US" dirty="0"/>
           </a:p>
@@ -5879,7 +5502,7 @@
 </p:sld>
 </file>
 
-<file path=ppt/slides/slide8.xml><?xml version="1.0" encoding="utf-8"?>
+<file path=ppt/slides/slide7.xml><?xml version="1.0" encoding="utf-8"?>
 <p:sld xmlns:a="http://schemas.openxmlformats.org/drawingml/2006/main" xmlns:r="http://schemas.openxmlformats.org/officeDocument/2006/relationships" xmlns:p="http://schemas.openxmlformats.org/presentationml/2006/main">
   <p:cSld>
     <p:spTree>
@@ -5987,7 +5610,7 @@
             <a:fld id="{4BEDD84E-25D4-4983-8AA1-2863C96F08D9}" type="slidenum">
               <a:rPr lang="ko-KR" altLang="en-US" smtClean="0"/>
               <a:pPr/>
-              <a:t>8</a:t>
+              <a:t>7</a:t>
             </a:fld>
             <a:endParaRPr lang="ko-KR" altLang="en-US"/>
           </a:p>
@@ -6059,268 +5682,6 @@
     <p:extLst>
       <p:ext uri="{BB962C8B-B14F-4D97-AF65-F5344CB8AC3E}">
         <p14:creationId xmlns:p14="http://schemas.microsoft.com/office/powerpoint/2010/main" val="357592975"/>
-      </p:ext>
-    </p:extLst>
-  </p:cSld>
-  <p:clrMapOvr>
-    <a:masterClrMapping/>
-  </p:clrMapOvr>
-  <p:timing>
-    <p:tnLst>
-      <p:par>
-        <p:cTn id="1" dur="indefinite" restart="never" nodeType="tmRoot"/>
-      </p:par>
-    </p:tnLst>
-  </p:timing>
-</p:sld>
-</file>
-
-<file path=ppt/slides/slide9.xml><?xml version="1.0" encoding="utf-8"?>
-<p:sld xmlns:a="http://schemas.openxmlformats.org/drawingml/2006/main" xmlns:r="http://schemas.openxmlformats.org/officeDocument/2006/relationships" xmlns:p="http://schemas.openxmlformats.org/presentationml/2006/main">
-  <p:cSld>
-    <p:spTree>
-      <p:nvGrpSpPr>
-        <p:cNvPr id="1" name=""/>
-        <p:cNvGrpSpPr/>
-        <p:nvPr/>
-      </p:nvGrpSpPr>
-      <p:grpSpPr>
-        <a:xfrm>
-          <a:off x="0" y="0"/>
-          <a:ext cx="0" cy="0"/>
-          <a:chOff x="0" y="0"/>
-          <a:chExt cx="0" cy="0"/>
-        </a:xfrm>
-      </p:grpSpPr>
-      <p:sp>
-        <p:nvSpPr>
-          <p:cNvPr id="2" name="제목 1"/>
-          <p:cNvSpPr>
-            <a:spLocks noGrp="1"/>
-          </p:cNvSpPr>
-          <p:nvPr>
-            <p:ph type="title"/>
-          </p:nvPr>
-        </p:nvSpPr>
-        <p:spPr/>
-        <p:txBody>
-          <a:bodyPr/>
-          <a:lstStyle/>
-          <a:p>
-            <a:r>
-              <a:rPr lang="ko-KR" altLang="en-US" dirty="0" smtClean="0"/>
-              <a:t>과제 제출</a:t>
-            </a:r>
-            <a:endParaRPr lang="ko-KR" altLang="en-US" dirty="0"/>
-          </a:p>
-        </p:txBody>
-      </p:sp>
-      <p:sp>
-        <p:nvSpPr>
-          <p:cNvPr id="3" name="내용 개체 틀 2"/>
-          <p:cNvSpPr>
-            <a:spLocks noGrp="1"/>
-          </p:cNvSpPr>
-          <p:nvPr>
-            <p:ph idx="1"/>
-          </p:nvPr>
-        </p:nvSpPr>
-        <p:spPr/>
-        <p:txBody>
-          <a:bodyPr/>
-          <a:lstStyle/>
-          <a:p>
-            <a:r>
-              <a:rPr lang="ko-KR" altLang="en-US" dirty="0" smtClean="0"/>
-              <a:t>데이</a:t>
-            </a:r>
-            <a:r>
-              <a:rPr lang="ko-KR" altLang="en-US" dirty="0"/>
-              <a:t>터</a:t>
-            </a:r>
-            <a:r>
-              <a:rPr lang="ko-KR" altLang="en-US" dirty="0" smtClean="0"/>
-              <a:t>는 </a:t>
-            </a:r>
-            <a:r>
-              <a:rPr lang="en-US" altLang="ko-KR" dirty="0" err="1" smtClean="0"/>
-              <a:t>myclass</a:t>
-            </a:r>
-            <a:r>
-              <a:rPr lang="en-US" altLang="ko-KR" dirty="0" smtClean="0"/>
-              <a:t> </a:t>
-            </a:r>
-            <a:r>
-              <a:rPr lang="ko-KR" altLang="en-US" dirty="0" smtClean="0"/>
-              <a:t>게시판에서 </a:t>
-            </a:r>
-            <a:r>
-              <a:rPr lang="en-US" altLang="ko-KR" dirty="0" smtClean="0"/>
-              <a:t>“default </a:t>
-            </a:r>
-            <a:r>
-              <a:rPr lang="en-US" altLang="ko-KR" dirty="0"/>
-              <a:t>of credit card </a:t>
-            </a:r>
-            <a:r>
-              <a:rPr lang="en-US" altLang="ko-KR" dirty="0" smtClean="0"/>
-              <a:t>clients.</a:t>
-            </a:r>
-            <a:r>
-              <a:rPr lang="en-US" altLang="ko-KR" dirty="0" smtClean="0"/>
-              <a:t>csv”</a:t>
-            </a:r>
-            <a:r>
-              <a:rPr lang="en-US" altLang="ko-KR" dirty="0" smtClean="0"/>
-              <a:t> </a:t>
-            </a:r>
-            <a:r>
-              <a:rPr lang="ko-KR" altLang="en-US" dirty="0" smtClean="0"/>
-              <a:t>다운로드</a:t>
-            </a:r>
-            <a:endParaRPr lang="en-US" altLang="ko-KR" dirty="0" smtClean="0"/>
-          </a:p>
-          <a:p>
-            <a:endParaRPr lang="en-US" altLang="ko-KR" dirty="0" smtClean="0"/>
-          </a:p>
-          <a:p>
-            <a:r>
-              <a:rPr lang="ko-KR" altLang="en-US" dirty="0" smtClean="0"/>
-              <a:t>제출 기한 </a:t>
-            </a:r>
-            <a:endParaRPr lang="en-US" altLang="ko-KR" dirty="0" smtClean="0"/>
-          </a:p>
-          <a:p>
-            <a:pPr lvl="1"/>
-            <a:r>
-              <a:rPr lang="en-US" altLang="ko-KR" dirty="0" smtClean="0"/>
-              <a:t>6</a:t>
-            </a:r>
-            <a:r>
-              <a:rPr lang="ko-KR" altLang="en-US" dirty="0" smtClean="0"/>
-              <a:t>월 </a:t>
-            </a:r>
-            <a:r>
-              <a:rPr lang="en-US" altLang="ko-KR" dirty="0" smtClean="0"/>
-              <a:t>12</a:t>
-            </a:r>
-            <a:r>
-              <a:rPr lang="ko-KR" altLang="en-US" dirty="0" smtClean="0"/>
-              <a:t>일 오후 </a:t>
-            </a:r>
-            <a:r>
-              <a:rPr lang="en-US" altLang="ko-KR" dirty="0" smtClean="0"/>
-              <a:t>9</a:t>
-            </a:r>
-            <a:r>
-              <a:rPr lang="ko-KR" altLang="en-US" dirty="0" smtClean="0"/>
-              <a:t>시</a:t>
-            </a:r>
-            <a:endParaRPr lang="en-US" altLang="ko-KR" dirty="0" smtClean="0"/>
-          </a:p>
-          <a:p>
-            <a:pPr lvl="1"/>
-            <a:r>
-              <a:rPr lang="ko-KR" altLang="en-US" dirty="0" err="1" smtClean="0"/>
-              <a:t>정보과학관</a:t>
-            </a:r>
-            <a:r>
-              <a:rPr lang="ko-KR" altLang="en-US" dirty="0" smtClean="0"/>
-              <a:t> </a:t>
-            </a:r>
-            <a:r>
-              <a:rPr lang="en-US" altLang="ko-KR" dirty="0" smtClean="0"/>
-              <a:t>409</a:t>
-            </a:r>
-            <a:r>
-              <a:rPr lang="ko-KR" altLang="en-US" dirty="0" smtClean="0"/>
-              <a:t>호 채병주 조교에게 제출</a:t>
-            </a:r>
-            <a:endParaRPr lang="en-US" altLang="ko-KR" dirty="0" smtClean="0"/>
-          </a:p>
-          <a:p>
-            <a:endParaRPr lang="en-US" altLang="ko-KR" dirty="0" smtClean="0"/>
-          </a:p>
-          <a:p>
-            <a:r>
-              <a:rPr lang="ko-KR" altLang="en-US" dirty="0" smtClean="0"/>
-              <a:t>제출물</a:t>
-            </a:r>
-            <a:endParaRPr lang="en-US" altLang="ko-KR" dirty="0" smtClean="0"/>
-          </a:p>
-          <a:p>
-            <a:pPr lvl="1"/>
-            <a:r>
-              <a:rPr lang="ko-KR" altLang="en-US" dirty="0" smtClean="0"/>
-              <a:t>보고서 </a:t>
-            </a:r>
-            <a:r>
-              <a:rPr lang="en-US" altLang="ko-KR" dirty="0" smtClean="0"/>
-              <a:t>(hardcopy)</a:t>
-            </a:r>
-          </a:p>
-          <a:p>
-            <a:pPr lvl="2"/>
-            <a:r>
-              <a:rPr lang="ko-KR" altLang="en-US" dirty="0" smtClean="0"/>
-              <a:t>문제 및 데이터 설명</a:t>
-            </a:r>
-            <a:r>
-              <a:rPr lang="en-US" altLang="ko-KR" dirty="0" smtClean="0"/>
-              <a:t>, </a:t>
-            </a:r>
-            <a:r>
-              <a:rPr lang="ko-KR" altLang="en-US" dirty="0" smtClean="0"/>
-              <a:t>방법 설명</a:t>
-            </a:r>
-            <a:r>
-              <a:rPr lang="en-US" altLang="ko-KR" dirty="0" smtClean="0"/>
-              <a:t>, </a:t>
-            </a:r>
-            <a:r>
-              <a:rPr lang="ko-KR" altLang="en-US" dirty="0" smtClean="0"/>
-              <a:t>결과</a:t>
-            </a:r>
-            <a:r>
-              <a:rPr lang="en-US" altLang="ko-KR" dirty="0" smtClean="0"/>
-              <a:t>, </a:t>
-            </a:r>
-            <a:r>
-              <a:rPr lang="ko-KR" altLang="en-US" dirty="0" smtClean="0"/>
-              <a:t>결론</a:t>
-            </a:r>
-            <a:endParaRPr lang="en-US" altLang="ko-KR" dirty="0" smtClean="0"/>
-          </a:p>
-        </p:txBody>
-      </p:sp>
-      <p:sp>
-        <p:nvSpPr>
-          <p:cNvPr id="4" name="슬라이드 번호 개체 틀 3"/>
-          <p:cNvSpPr>
-            <a:spLocks noGrp="1"/>
-          </p:cNvSpPr>
-          <p:nvPr>
-            <p:ph type="sldNum" sz="quarter" idx="12"/>
-          </p:nvPr>
-        </p:nvSpPr>
-        <p:spPr/>
-        <p:txBody>
-          <a:bodyPr/>
-          <a:lstStyle/>
-          <a:p>
-            <a:fld id="{4BEDD84E-25D4-4983-8AA1-2863C96F08D9}" type="slidenum">
-              <a:rPr lang="ko-KR" altLang="en-US" smtClean="0"/>
-              <a:pPr/>
-              <a:t>9</a:t>
-            </a:fld>
-            <a:endParaRPr lang="ko-KR" altLang="en-US"/>
-          </a:p>
-        </p:txBody>
-      </p:sp>
-    </p:spTree>
-    <p:extLst>
-      <p:ext uri="{BB962C8B-B14F-4D97-AF65-F5344CB8AC3E}">
-        <p14:creationId xmlns:p14="http://schemas.microsoft.com/office/powerpoint/2010/main" val="2164026407"/>
       </p:ext>
     </p:extLst>
   </p:cSld>
